--- a/Electrode Motion Denoising/reports/DeepLearningElectrodeMotionRemoval.pptx
+++ b/Electrode Motion Denoising/reports/DeepLearningElectrodeMotionRemoval.pptx
@@ -9,6 +9,11 @@
     <p:sldId id="259" r:id="rId3"/>
     <p:sldId id="257" r:id="rId4"/>
     <p:sldId id="258" r:id="rId5"/>
+    <p:sldId id="260" r:id="rId6"/>
+    <p:sldId id="261" r:id="rId7"/>
+    <p:sldId id="262" r:id="rId8"/>
+    <p:sldId id="263" r:id="rId9"/>
+    <p:sldId id="264" r:id="rId10"/>
   </p:sldIdLst>
   <p:sldSz cx="12192000" cy="6858000"/>
   <p:notesSz cx="6858000" cy="9144000"/>
@@ -3687,7 +3692,7 @@
           <a:bodyPr/>
           <a:lstStyle/>
           <a:p>
-            <a:pPr marL="0" indent="0">
+            <a:pPr marL="0" indent="0" algn="ctr">
               <a:buNone/>
             </a:pPr>
             <a:r>
@@ -3697,7 +3702,7 @@
           </a:p>
           <a:p>
             <a:r>
-              <a:rPr lang="en-GB" dirty="0"/>
+              <a:rPr lang="en-GB" sz="2400" dirty="0"/>
               <a:t>In general, there are 4 primary types of noise.</a:t>
             </a:r>
           </a:p>
@@ -3706,8 +3711,12 @@
               <a:buAutoNum type="arabicPeriod"/>
             </a:pPr>
             <a:r>
+              <a:rPr lang="en-GB" sz="2000" b="1" dirty="0"/>
+              <a:t>Baseline Wander (BW) </a:t>
+            </a:r>
+            <a:r>
               <a:rPr lang="en-GB" sz="2000" dirty="0"/>
-              <a:t>Baseline Wander (BW) – Low frequency, usually occurs around 0.5Hz. Easily removed with Discrete Wavelet Transform (DWT)</a:t>
+              <a:t>– Low frequency, usually occurs around 0.5Hz. Easily removed with Discrete Wavelet Transform (DWT)</a:t>
             </a:r>
           </a:p>
           <a:p>
@@ -3715,15 +3724,13 @@
               <a:buAutoNum type="arabicPeriod"/>
             </a:pPr>
             <a:r>
+              <a:rPr lang="en-GB" sz="2000" b="1" dirty="0"/>
+              <a:t>Powerline Interference (PL) </a:t>
+            </a:r>
+            <a:r>
               <a:rPr lang="en-GB" sz="2000" dirty="0"/>
-              <a:t>Powerline Interference (PL) – Usually fixed at 50Hz (UK) or 60Hz (US) and is easily removed using a Notch filter.</a:t>
-            </a:r>
-          </a:p>
-          <a:p>
-            <a:pPr marL="0" indent="0">
-              <a:buNone/>
-            </a:pPr>
-            <a:endParaRPr lang="en-GB" sz="2000" dirty="0"/>
+              <a:t>– Usually fixed at 50Hz (UK) or 60Hz (US) and is easily removed using a Notch filter.</a:t>
+            </a:r>
           </a:p>
           <a:p>
             <a:pPr marL="0" indent="0">
@@ -3736,8 +3743,12 @@
               <a:buAutoNum type="arabicPeriod"/>
             </a:pPr>
             <a:r>
+              <a:rPr lang="en-GB" sz="2000" b="1" dirty="0"/>
+              <a:t>Muscle Artefact (MA)  - </a:t>
+            </a:r>
+            <a:r>
               <a:rPr lang="en-GB" sz="2000" dirty="0"/>
-              <a:t>Muscle Artefact (EMG) - </a:t>
+              <a:t>Can occur in the range of 20Hz to 10kHz. Most ECG signals have components in the range 0.05Hz to 150Hz so there can be significant overlap.</a:t>
             </a:r>
           </a:p>
           <a:p>
@@ -3745,9 +3756,14 @@
               <a:buAutoNum type="arabicPeriod"/>
             </a:pPr>
             <a:r>
+              <a:rPr lang="en-GB" sz="2000" b="1" dirty="0"/>
+              <a:t>Electrode Motion (EM) – </a:t>
+            </a:r>
+            <a:r>
               <a:rPr lang="en-GB" sz="2000" dirty="0"/>
-              <a:t>Electrode Motion (EM)</a:t>
-            </a:r>
+              <a:t>Can occur in the range 1Hz to 10Hz. There is significant overlap between the frequency spectrum of this noise, and a typical ECG.</a:t>
+            </a:r>
+            <a:endParaRPr lang="en-GB" sz="2000" b="1" dirty="0"/>
           </a:p>
         </p:txBody>
       </p:sp>
@@ -3765,14 +3781,14 @@
         </p:nvSpPr>
         <p:spPr>
           <a:xfrm>
-            <a:off x="838200" y="2736450"/>
+            <a:off x="838200" y="2817506"/>
             <a:ext cx="10168783" cy="1435694"/>
           </a:xfrm>
           <a:prstGeom prst="roundRect">
             <a:avLst/>
           </a:prstGeom>
           <a:noFill/>
-          <a:ln>
+          <a:ln w="38100">
             <a:solidFill>
               <a:schemeClr val="accent6"/>
             </a:solidFill>
@@ -3801,10 +3817,2099 @@
           </a:p>
         </p:txBody>
       </p:sp>
+      <p:sp>
+        <p:nvSpPr>
+          <p:cNvPr id="8" name="Rectangle: Rounded Corners 7">
+            <a:extLst>
+              <a:ext uri="{FF2B5EF4-FFF2-40B4-BE49-F238E27FC236}">
+                <a16:creationId xmlns:a16="http://schemas.microsoft.com/office/drawing/2014/main" id="{8C37F2FE-F9AE-5FFC-9232-4CC067E58291}"/>
+              </a:ext>
+            </a:extLst>
+          </p:cNvPr>
+          <p:cNvSpPr/>
+          <p:nvPr/>
+        </p:nvSpPr>
+        <p:spPr>
+          <a:xfrm>
+            <a:off x="838199" y="4527234"/>
+            <a:ext cx="10168783" cy="1557396"/>
+          </a:xfrm>
+          <a:prstGeom prst="roundRect">
+            <a:avLst/>
+          </a:prstGeom>
+          <a:noFill/>
+          <a:ln w="38100">
+            <a:solidFill>
+              <a:srgbClr val="FF0000"/>
+            </a:solidFill>
+          </a:ln>
+        </p:spPr>
+        <p:style>
+          <a:lnRef idx="1">
+            <a:schemeClr val="accent6"/>
+          </a:lnRef>
+          <a:fillRef idx="2">
+            <a:schemeClr val="accent6"/>
+          </a:fillRef>
+          <a:effectRef idx="1">
+            <a:schemeClr val="accent6"/>
+          </a:effectRef>
+          <a:fontRef idx="minor">
+            <a:schemeClr val="dk1"/>
+          </a:fontRef>
+        </p:style>
+        <p:txBody>
+          <a:bodyPr rtlCol="0" anchor="ctr"/>
+          <a:lstStyle/>
+          <a:p>
+            <a:pPr algn="ctr"/>
+            <a:endParaRPr lang="en-GB"/>
+          </a:p>
+        </p:txBody>
+      </p:sp>
+      <p:cxnSp>
+        <p:nvCxnSpPr>
+          <p:cNvPr id="10" name="Straight Arrow Connector 9">
+            <a:extLst>
+              <a:ext uri="{FF2B5EF4-FFF2-40B4-BE49-F238E27FC236}">
+                <a16:creationId xmlns:a16="http://schemas.microsoft.com/office/drawing/2014/main" id="{B9CE2E05-9687-E950-1AC9-496B9D32E1CF}"/>
+              </a:ext>
+            </a:extLst>
+          </p:cNvPr>
+          <p:cNvCxnSpPr>
+            <a:cxnSpLocks/>
+          </p:cNvCxnSpPr>
+          <p:nvPr/>
+        </p:nvCxnSpPr>
+        <p:spPr>
+          <a:xfrm flipH="1">
+            <a:off x="8033047" y="2427006"/>
+            <a:ext cx="367469" cy="404009"/>
+          </a:xfrm>
+          <a:prstGeom prst="straightConnector1">
+            <a:avLst/>
+          </a:prstGeom>
+          <a:ln>
+            <a:tailEnd type="triangle"/>
+          </a:ln>
+        </p:spPr>
+        <p:style>
+          <a:lnRef idx="1">
+            <a:schemeClr val="dk1"/>
+          </a:lnRef>
+          <a:fillRef idx="0">
+            <a:schemeClr val="dk1"/>
+          </a:fillRef>
+          <a:effectRef idx="0">
+            <a:schemeClr val="dk1"/>
+          </a:effectRef>
+          <a:fontRef idx="minor">
+            <a:schemeClr val="tx1"/>
+          </a:fontRef>
+        </p:style>
+      </p:cxnSp>
+      <p:sp>
+        <p:nvSpPr>
+          <p:cNvPr id="11" name="TextBox 10">
+            <a:extLst>
+              <a:ext uri="{FF2B5EF4-FFF2-40B4-BE49-F238E27FC236}">
+                <a16:creationId xmlns:a16="http://schemas.microsoft.com/office/drawing/2014/main" id="{1D23782A-F444-F52E-4435-609FDB76E8F4}"/>
+              </a:ext>
+            </a:extLst>
+          </p:cNvPr>
+          <p:cNvSpPr txBox="1"/>
+          <p:nvPr/>
+        </p:nvSpPr>
+        <p:spPr>
+          <a:xfrm>
+            <a:off x="8443244" y="2137139"/>
+            <a:ext cx="2341547" cy="461665"/>
+          </a:xfrm>
+          <a:prstGeom prst="rect">
+            <a:avLst/>
+          </a:prstGeom>
+          <a:noFill/>
+        </p:spPr>
+        <p:txBody>
+          <a:bodyPr wrap="square" rtlCol="0">
+            <a:spAutoFit/>
+          </a:bodyPr>
+          <a:lstStyle/>
+          <a:p>
+            <a:r>
+              <a:rPr lang="en-GB" sz="1200" dirty="0"/>
+              <a:t>Relatively easily removed using traditional DSP.</a:t>
+            </a:r>
+          </a:p>
+        </p:txBody>
+      </p:sp>
+      <p:cxnSp>
+        <p:nvCxnSpPr>
+          <p:cNvPr id="13" name="Straight Arrow Connector 12">
+            <a:extLst>
+              <a:ext uri="{FF2B5EF4-FFF2-40B4-BE49-F238E27FC236}">
+                <a16:creationId xmlns:a16="http://schemas.microsoft.com/office/drawing/2014/main" id="{33C3081E-9930-CABE-1597-21E82FCFF934}"/>
+              </a:ext>
+            </a:extLst>
+          </p:cNvPr>
+          <p:cNvCxnSpPr>
+            <a:cxnSpLocks/>
+          </p:cNvCxnSpPr>
+          <p:nvPr/>
+        </p:nvCxnSpPr>
+        <p:spPr>
+          <a:xfrm flipH="1" flipV="1">
+            <a:off x="7469024" y="6084630"/>
+            <a:ext cx="324739" cy="354679"/>
+          </a:xfrm>
+          <a:prstGeom prst="straightConnector1">
+            <a:avLst/>
+          </a:prstGeom>
+          <a:ln>
+            <a:tailEnd type="triangle"/>
+          </a:ln>
+        </p:spPr>
+        <p:style>
+          <a:lnRef idx="1">
+            <a:schemeClr val="dk1"/>
+          </a:lnRef>
+          <a:fillRef idx="0">
+            <a:schemeClr val="dk1"/>
+          </a:fillRef>
+          <a:effectRef idx="0">
+            <a:schemeClr val="dk1"/>
+          </a:effectRef>
+          <a:fontRef idx="minor">
+            <a:schemeClr val="tx1"/>
+          </a:fontRef>
+        </p:style>
+      </p:cxnSp>
+      <p:sp>
+        <p:nvSpPr>
+          <p:cNvPr id="15" name="TextBox 14">
+            <a:extLst>
+              <a:ext uri="{FF2B5EF4-FFF2-40B4-BE49-F238E27FC236}">
+                <a16:creationId xmlns:a16="http://schemas.microsoft.com/office/drawing/2014/main" id="{2A30C995-7BD6-E2F7-3FD7-8F75608F7704}"/>
+              </a:ext>
+            </a:extLst>
+          </p:cNvPr>
+          <p:cNvSpPr txBox="1"/>
+          <p:nvPr/>
+        </p:nvSpPr>
+        <p:spPr>
+          <a:xfrm>
+            <a:off x="7793763" y="6132013"/>
+            <a:ext cx="2341547" cy="646331"/>
+          </a:xfrm>
+          <a:prstGeom prst="rect">
+            <a:avLst/>
+          </a:prstGeom>
+          <a:noFill/>
+        </p:spPr>
+        <p:txBody>
+          <a:bodyPr wrap="square" rtlCol="0">
+            <a:spAutoFit/>
+          </a:bodyPr>
+          <a:lstStyle/>
+          <a:p>
+            <a:r>
+              <a:rPr lang="en-GB" sz="1200" dirty="0"/>
+              <a:t>Require a more specialised approached. Most popular current method are adaptive filters.</a:t>
+            </a:r>
+          </a:p>
+        </p:txBody>
+      </p:sp>
+      <p:sp>
+        <p:nvSpPr>
+          <p:cNvPr id="17" name="TextBox 16">
+            <a:extLst>
+              <a:ext uri="{FF2B5EF4-FFF2-40B4-BE49-F238E27FC236}">
+                <a16:creationId xmlns:a16="http://schemas.microsoft.com/office/drawing/2014/main" id="{9465276B-1F40-BCC3-F4A9-26C267AA2267}"/>
+              </a:ext>
+            </a:extLst>
+          </p:cNvPr>
+          <p:cNvSpPr txBox="1"/>
+          <p:nvPr/>
+        </p:nvSpPr>
+        <p:spPr>
+          <a:xfrm>
+            <a:off x="4495087" y="3847405"/>
+            <a:ext cx="1709160" cy="307777"/>
+          </a:xfrm>
+          <a:prstGeom prst="rect">
+            <a:avLst/>
+          </a:prstGeom>
+          <a:noFill/>
+        </p:spPr>
+        <p:txBody>
+          <a:bodyPr wrap="square" rtlCol="0">
+            <a:spAutoFit/>
+          </a:bodyPr>
+          <a:lstStyle/>
+          <a:p>
+            <a:r>
+              <a:rPr lang="en-GB" sz="1400" b="1" u="sng" dirty="0"/>
+              <a:t>Linear &amp; Stationary</a:t>
+            </a:r>
+          </a:p>
+        </p:txBody>
+      </p:sp>
+      <p:sp>
+        <p:nvSpPr>
+          <p:cNvPr id="18" name="TextBox 17">
+            <a:extLst>
+              <a:ext uri="{FF2B5EF4-FFF2-40B4-BE49-F238E27FC236}">
+                <a16:creationId xmlns:a16="http://schemas.microsoft.com/office/drawing/2014/main" id="{F77774F8-95F3-8CEA-3BFE-0F404DAD149C}"/>
+              </a:ext>
+            </a:extLst>
+          </p:cNvPr>
+          <p:cNvSpPr txBox="1"/>
+          <p:nvPr/>
+        </p:nvSpPr>
+        <p:spPr>
+          <a:xfrm>
+            <a:off x="4613304" y="5754138"/>
+            <a:ext cx="2508902" cy="307777"/>
+          </a:xfrm>
+          <a:prstGeom prst="rect">
+            <a:avLst/>
+          </a:prstGeom>
+          <a:noFill/>
+        </p:spPr>
+        <p:txBody>
+          <a:bodyPr wrap="square" rtlCol="0">
+            <a:spAutoFit/>
+          </a:bodyPr>
+          <a:lstStyle/>
+          <a:p>
+            <a:r>
+              <a:rPr lang="en-GB" sz="1400" b="1" u="sng" dirty="0"/>
+              <a:t>Non-Linear &amp; Non - Stationary</a:t>
+            </a:r>
+          </a:p>
+        </p:txBody>
+      </p:sp>
     </p:spTree>
     <p:extLst>
       <p:ext uri="{BB962C8B-B14F-4D97-AF65-F5344CB8AC3E}">
         <p14:creationId xmlns:p14="http://schemas.microsoft.com/office/powerpoint/2010/main" val="3029829313"/>
+      </p:ext>
+    </p:extLst>
+  </p:cSld>
+  <p:clrMapOvr>
+    <a:masterClrMapping/>
+  </p:clrMapOvr>
+</p:sld>
+</file>
+
+<file path=ppt/slides/slide5.xml><?xml version="1.0" encoding="utf-8"?>
+<p:sld xmlns:a="http://schemas.openxmlformats.org/drawingml/2006/main" xmlns:r="http://schemas.openxmlformats.org/officeDocument/2006/relationships" xmlns:p="http://schemas.openxmlformats.org/presentationml/2006/main">
+  <p:cSld>
+    <p:spTree>
+      <p:nvGrpSpPr>
+        <p:cNvPr id="1" name=""/>
+        <p:cNvGrpSpPr/>
+        <p:nvPr/>
+      </p:nvGrpSpPr>
+      <p:grpSpPr>
+        <a:xfrm>
+          <a:off x="0" y="0"/>
+          <a:ext cx="0" cy="0"/>
+          <a:chOff x="0" y="0"/>
+          <a:chExt cx="0" cy="0"/>
+        </a:xfrm>
+      </p:grpSpPr>
+      <p:sp>
+        <p:nvSpPr>
+          <p:cNvPr id="2" name="Title 1">
+            <a:extLst>
+              <a:ext uri="{FF2B5EF4-FFF2-40B4-BE49-F238E27FC236}">
+                <a16:creationId xmlns:a16="http://schemas.microsoft.com/office/drawing/2014/main" id="{25F6407F-EF74-6931-3387-5EB27E43C535}"/>
+              </a:ext>
+            </a:extLst>
+          </p:cNvPr>
+          <p:cNvSpPr>
+            <a:spLocks noGrp="1"/>
+          </p:cNvSpPr>
+          <p:nvPr>
+            <p:ph type="title"/>
+          </p:nvPr>
+        </p:nvSpPr>
+        <p:spPr/>
+        <p:txBody>
+          <a:bodyPr/>
+          <a:lstStyle/>
+          <a:p>
+            <a:r>
+              <a:rPr lang="en-GB" dirty="0"/>
+              <a:t>What problem does the paper attempt to solve?</a:t>
+            </a:r>
+          </a:p>
+        </p:txBody>
+      </p:sp>
+      <p:sp>
+        <p:nvSpPr>
+          <p:cNvPr id="3" name="Content Placeholder 2">
+            <a:extLst>
+              <a:ext uri="{FF2B5EF4-FFF2-40B4-BE49-F238E27FC236}">
+                <a16:creationId xmlns:a16="http://schemas.microsoft.com/office/drawing/2014/main" id="{46902FF5-FAB8-3999-7CF2-E1F9325D7CED}"/>
+              </a:ext>
+            </a:extLst>
+          </p:cNvPr>
+          <p:cNvSpPr>
+            <a:spLocks noGrp="1"/>
+          </p:cNvSpPr>
+          <p:nvPr>
+            <p:ph idx="1"/>
+          </p:nvPr>
+        </p:nvSpPr>
+        <p:spPr/>
+        <p:txBody>
+          <a:bodyPr>
+            <a:normAutofit lnSpcReduction="10000"/>
+          </a:bodyPr>
+          <a:lstStyle/>
+          <a:p>
+            <a:r>
+              <a:rPr lang="en-GB" dirty="0"/>
+              <a:t>Adaptive filters can improve the SNR of EM corrupt signals, however they have a number of limitations:</a:t>
+            </a:r>
+          </a:p>
+          <a:p>
+            <a:pPr marL="914400" lvl="1" indent="-457200">
+              <a:buFont typeface="+mj-lt"/>
+              <a:buAutoNum type="arabicPeriod"/>
+            </a:pPr>
+            <a:r>
+              <a:rPr lang="en-GB" dirty="0"/>
+              <a:t>Adaptive filters can struggle to deal with the high variability of EM noise.</a:t>
+            </a:r>
+          </a:p>
+          <a:p>
+            <a:pPr marL="914400" lvl="1" indent="-457200">
+              <a:buFont typeface="+mj-lt"/>
+              <a:buAutoNum type="arabicPeriod"/>
+            </a:pPr>
+            <a:r>
+              <a:rPr lang="en-GB" dirty="0"/>
+              <a:t>Require a reference signal as an input, it is impossible to get this perfectly and so signals have to be estimated. (Error added)</a:t>
+            </a:r>
+          </a:p>
+          <a:p>
+            <a:pPr marL="914400" lvl="1" indent="-457200">
+              <a:buFont typeface="+mj-lt"/>
+              <a:buAutoNum type="arabicPeriod"/>
+            </a:pPr>
+            <a:r>
+              <a:rPr lang="en-GB" dirty="0"/>
+              <a:t>Generally, not feasible for real time processing due to computational complexity.</a:t>
+            </a:r>
+          </a:p>
+          <a:p>
+            <a:pPr marL="914400" lvl="1" indent="-457200">
+              <a:buFont typeface="+mj-lt"/>
+              <a:buAutoNum type="arabicPeriod"/>
+            </a:pPr>
+            <a:r>
+              <a:rPr lang="en-GB" dirty="0"/>
+              <a:t>Not always stable depending on the amount of noise present.</a:t>
+            </a:r>
+          </a:p>
+          <a:p>
+            <a:pPr marL="914400" lvl="1" indent="-457200">
+              <a:buFont typeface="+mj-lt"/>
+              <a:buAutoNum type="arabicPeriod"/>
+            </a:pPr>
+            <a:endParaRPr lang="en-GB" dirty="0"/>
+          </a:p>
+          <a:p>
+            <a:r>
+              <a:rPr lang="en-GB" dirty="0"/>
+              <a:t>If we can’t use traditional time/frequency domain DSP methods, and are looking to improve on adaptive filters, what can we try?</a:t>
+            </a:r>
+          </a:p>
+        </p:txBody>
+      </p:sp>
+    </p:spTree>
+    <p:extLst>
+      <p:ext uri="{BB962C8B-B14F-4D97-AF65-F5344CB8AC3E}">
+        <p14:creationId xmlns:p14="http://schemas.microsoft.com/office/powerpoint/2010/main" val="4207292204"/>
+      </p:ext>
+    </p:extLst>
+  </p:cSld>
+  <p:clrMapOvr>
+    <a:masterClrMapping/>
+  </p:clrMapOvr>
+</p:sld>
+</file>
+
+<file path=ppt/slides/slide6.xml><?xml version="1.0" encoding="utf-8"?>
+<p:sld xmlns:a="http://schemas.openxmlformats.org/drawingml/2006/main" xmlns:r="http://schemas.openxmlformats.org/officeDocument/2006/relationships" xmlns:p="http://schemas.openxmlformats.org/presentationml/2006/main">
+  <p:cSld>
+    <p:spTree>
+      <p:nvGrpSpPr>
+        <p:cNvPr id="1" name=""/>
+        <p:cNvGrpSpPr/>
+        <p:nvPr/>
+      </p:nvGrpSpPr>
+      <p:grpSpPr>
+        <a:xfrm>
+          <a:off x="0" y="0"/>
+          <a:ext cx="0" cy="0"/>
+          <a:chOff x="0" y="0"/>
+          <a:chExt cx="0" cy="0"/>
+        </a:xfrm>
+      </p:grpSpPr>
+      <p:sp>
+        <p:nvSpPr>
+          <p:cNvPr id="2" name="Title 1">
+            <a:extLst>
+              <a:ext uri="{FF2B5EF4-FFF2-40B4-BE49-F238E27FC236}">
+                <a16:creationId xmlns:a16="http://schemas.microsoft.com/office/drawing/2014/main" id="{AE1A562A-39D3-53BD-F383-B2CDED5E6871}"/>
+              </a:ext>
+            </a:extLst>
+          </p:cNvPr>
+          <p:cNvSpPr>
+            <a:spLocks noGrp="1"/>
+          </p:cNvSpPr>
+          <p:nvPr>
+            <p:ph type="title"/>
+          </p:nvPr>
+        </p:nvSpPr>
+        <p:spPr/>
+        <p:txBody>
+          <a:bodyPr/>
+          <a:lstStyle/>
+          <a:p>
+            <a:r>
+              <a:rPr lang="en-GB" dirty="0"/>
+              <a:t>Artificial Intelligence</a:t>
+            </a:r>
+          </a:p>
+        </p:txBody>
+      </p:sp>
+      <p:sp>
+        <p:nvSpPr>
+          <p:cNvPr id="3" name="Content Placeholder 2">
+            <a:extLst>
+              <a:ext uri="{FF2B5EF4-FFF2-40B4-BE49-F238E27FC236}">
+                <a16:creationId xmlns:a16="http://schemas.microsoft.com/office/drawing/2014/main" id="{FF739E8C-50B0-352B-FD9E-F4DB081168A8}"/>
+              </a:ext>
+            </a:extLst>
+          </p:cNvPr>
+          <p:cNvSpPr>
+            <a:spLocks noGrp="1"/>
+          </p:cNvSpPr>
+          <p:nvPr>
+            <p:ph idx="1"/>
+          </p:nvPr>
+        </p:nvSpPr>
+        <p:spPr>
+          <a:xfrm>
+            <a:off x="838200" y="1546789"/>
+            <a:ext cx="10515600" cy="4630174"/>
+          </a:xfrm>
+        </p:spPr>
+        <p:txBody>
+          <a:bodyPr/>
+          <a:lstStyle/>
+          <a:p>
+            <a:r>
+              <a:rPr lang="en-GB" sz="2400" b="0" i="0" dirty="0">
+                <a:effectLst/>
+                <a:latin typeface="Söhne"/>
+              </a:rPr>
+              <a:t>The introduction of AI in this field was propelled by the increasing complexity of noise types. Especially dealing with non-linear noise.</a:t>
+            </a:r>
+          </a:p>
+          <a:p>
+            <a:r>
+              <a:rPr lang="en-GB" sz="2400" dirty="0"/>
+              <a:t>The idea is to develop data-driven algorithms that are able to learn the characteristic shape of the noise, and then remove it from the signal.</a:t>
+            </a:r>
+          </a:p>
+          <a:p>
+            <a:r>
+              <a:rPr lang="en-GB" sz="2400" dirty="0"/>
+              <a:t>Although initial results look promising, there are still limitations:</a:t>
+            </a:r>
+          </a:p>
+          <a:p>
+            <a:pPr marL="914400" lvl="1" indent="-457200">
+              <a:buFont typeface="+mj-lt"/>
+              <a:buAutoNum type="arabicPeriod"/>
+            </a:pPr>
+            <a:r>
+              <a:rPr lang="en-GB" sz="1800" dirty="0"/>
+              <a:t>Require large and diverse datasets for training. In the case of denoising algorithms, we need access to both the clean reference signal, and noise corrupt signal which is challenging to obtain.</a:t>
+            </a:r>
+          </a:p>
+          <a:p>
+            <a:pPr marL="914400" lvl="1" indent="-457200">
+              <a:buFont typeface="+mj-lt"/>
+              <a:buAutoNum type="arabicPeriod"/>
+            </a:pPr>
+            <a:r>
+              <a:rPr lang="en-GB" sz="1800" dirty="0"/>
+              <a:t>Can risk overfitting on training data, meaning it could perform poorly on unseen data.</a:t>
+            </a:r>
+          </a:p>
+          <a:p>
+            <a:pPr marL="914400" lvl="1" indent="-457200">
+              <a:buFont typeface="+mj-lt"/>
+              <a:buAutoNum type="arabicPeriod"/>
+            </a:pPr>
+            <a:r>
+              <a:rPr lang="en-GB" sz="1800" dirty="0"/>
+              <a:t>Models can get extremely complex since we are dealing with time-series data. (“Black-Box Problem”)</a:t>
+            </a:r>
+          </a:p>
+          <a:p>
+            <a:pPr marL="914400" lvl="1" indent="-457200">
+              <a:buFont typeface="+mj-lt"/>
+              <a:buAutoNum type="arabicPeriod"/>
+            </a:pPr>
+            <a:r>
+              <a:rPr lang="en-GB" sz="1800" dirty="0"/>
+              <a:t>Training and deploying AI models (especially deep learning) can require significant computation resource, some models may not be suitable for real time processing.</a:t>
+            </a:r>
+            <a:endParaRPr lang="en-GB" dirty="0"/>
+          </a:p>
+          <a:p>
+            <a:endParaRPr lang="en-GB" dirty="0"/>
+          </a:p>
+        </p:txBody>
+      </p:sp>
+    </p:spTree>
+    <p:extLst>
+      <p:ext uri="{BB962C8B-B14F-4D97-AF65-F5344CB8AC3E}">
+        <p14:creationId xmlns:p14="http://schemas.microsoft.com/office/powerpoint/2010/main" val="1506274376"/>
+      </p:ext>
+    </p:extLst>
+  </p:cSld>
+  <p:clrMapOvr>
+    <a:masterClrMapping/>
+  </p:clrMapOvr>
+</p:sld>
+</file>
+
+<file path=ppt/slides/slide7.xml><?xml version="1.0" encoding="utf-8"?>
+<p:sld xmlns:a="http://schemas.openxmlformats.org/drawingml/2006/main" xmlns:r="http://schemas.openxmlformats.org/officeDocument/2006/relationships" xmlns:p="http://schemas.openxmlformats.org/presentationml/2006/main">
+  <p:cSld>
+    <p:spTree>
+      <p:nvGrpSpPr>
+        <p:cNvPr id="1" name=""/>
+        <p:cNvGrpSpPr/>
+        <p:nvPr/>
+      </p:nvGrpSpPr>
+      <p:grpSpPr>
+        <a:xfrm>
+          <a:off x="0" y="0"/>
+          <a:ext cx="0" cy="0"/>
+          <a:chOff x="0" y="0"/>
+          <a:chExt cx="0" cy="0"/>
+        </a:xfrm>
+      </p:grpSpPr>
+      <p:sp>
+        <p:nvSpPr>
+          <p:cNvPr id="2" name="Title 1">
+            <a:extLst>
+              <a:ext uri="{FF2B5EF4-FFF2-40B4-BE49-F238E27FC236}">
+                <a16:creationId xmlns:a16="http://schemas.microsoft.com/office/drawing/2014/main" id="{ABEDA44C-2A9E-1907-DCF4-D2FC66B46294}"/>
+              </a:ext>
+            </a:extLst>
+          </p:cNvPr>
+          <p:cNvSpPr>
+            <a:spLocks noGrp="1"/>
+          </p:cNvSpPr>
+          <p:nvPr>
+            <p:ph type="title"/>
+          </p:nvPr>
+        </p:nvSpPr>
+        <p:spPr/>
+        <p:txBody>
+          <a:bodyPr/>
+          <a:lstStyle/>
+          <a:p>
+            <a:r>
+              <a:rPr lang="en-GB" dirty="0"/>
+              <a:t>Paper</a:t>
+            </a:r>
+          </a:p>
+        </p:txBody>
+      </p:sp>
+      <p:sp>
+        <p:nvSpPr>
+          <p:cNvPr id="3" name="Content Placeholder 2">
+            <a:extLst>
+              <a:ext uri="{FF2B5EF4-FFF2-40B4-BE49-F238E27FC236}">
+                <a16:creationId xmlns:a16="http://schemas.microsoft.com/office/drawing/2014/main" id="{7B322F4F-299F-F1AD-F37F-FCDC011DF303}"/>
+              </a:ext>
+            </a:extLst>
+          </p:cNvPr>
+          <p:cNvSpPr>
+            <a:spLocks noGrp="1"/>
+          </p:cNvSpPr>
+          <p:nvPr>
+            <p:ph idx="1"/>
+          </p:nvPr>
+        </p:nvSpPr>
+        <p:spPr>
+          <a:xfrm>
+            <a:off x="838200" y="1427148"/>
+            <a:ext cx="10515600" cy="4749815"/>
+          </a:xfrm>
+        </p:spPr>
+        <p:txBody>
+          <a:bodyPr>
+            <a:normAutofit/>
+          </a:bodyPr>
+          <a:lstStyle/>
+          <a:p>
+            <a:r>
+              <a:rPr lang="en-GB" sz="2400" dirty="0"/>
+              <a:t>Based on previous work, the authors opt to use Convolutional Neural Networks (CNN) due to the improved performance over LSTM networks.</a:t>
+            </a:r>
+          </a:p>
+          <a:p>
+            <a:r>
+              <a:rPr lang="en-GB" sz="2400" dirty="0"/>
+              <a:t>The main novelty in this work is that they employ a custom loss function to try and improve the learning ability.</a:t>
+            </a:r>
+          </a:p>
+          <a:p>
+            <a:r>
+              <a:rPr lang="en-GB" sz="2400" dirty="0"/>
+              <a:t>Loss functions are statistical measures that evaluate the model's performance.</a:t>
+            </a:r>
+          </a:p>
+          <a:p>
+            <a:pPr marL="914400" lvl="1" indent="-457200">
+              <a:buFont typeface="+mj-lt"/>
+              <a:buAutoNum type="arabicPeriod"/>
+            </a:pPr>
+            <a:r>
+              <a:rPr lang="en-GB" sz="1800" dirty="0"/>
+              <a:t>MSE – Mean squared error between predicted and reference signals (Most popular for time series)</a:t>
+            </a:r>
+          </a:p>
+          <a:p>
+            <a:pPr marL="914400" lvl="1" indent="-457200">
+              <a:buFont typeface="+mj-lt"/>
+              <a:buAutoNum type="arabicPeriod"/>
+            </a:pPr>
+            <a:r>
+              <a:rPr lang="en-GB" sz="1800" dirty="0"/>
+              <a:t>MAE – Mean Absolute error between predicted and reference signals.  (Time series)</a:t>
+            </a:r>
+          </a:p>
+          <a:p>
+            <a:pPr marL="914400" lvl="1" indent="-457200">
+              <a:buFont typeface="+mj-lt"/>
+              <a:buAutoNum type="arabicPeriod"/>
+            </a:pPr>
+            <a:r>
+              <a:rPr lang="en-GB" sz="1800" dirty="0"/>
+              <a:t>Binary Cross-Entropy loss – Decreases as the predicted label converges to actual label (Most popular for classification problems)</a:t>
+            </a:r>
+            <a:br>
+              <a:rPr lang="en-GB" sz="1800" dirty="0"/>
+            </a:br>
+            <a:endParaRPr lang="en-GB" sz="1800" dirty="0"/>
+          </a:p>
+          <a:p>
+            <a:r>
+              <a:rPr lang="en-GB" sz="2200" dirty="0"/>
+              <a:t>The authors choose to use MSE, however create their own variant of this to try and capture the diagnostic information only.</a:t>
+            </a:r>
+          </a:p>
+        </p:txBody>
+      </p:sp>
+    </p:spTree>
+    <p:extLst>
+      <p:ext uri="{BB962C8B-B14F-4D97-AF65-F5344CB8AC3E}">
+        <p14:creationId xmlns:p14="http://schemas.microsoft.com/office/powerpoint/2010/main" val="2559553089"/>
+      </p:ext>
+    </p:extLst>
+  </p:cSld>
+  <p:clrMapOvr>
+    <a:masterClrMapping/>
+  </p:clrMapOvr>
+</p:sld>
+</file>
+
+<file path=ppt/slides/slide8.xml><?xml version="1.0" encoding="utf-8"?>
+<p:sld xmlns:a="http://schemas.openxmlformats.org/drawingml/2006/main" xmlns:r="http://schemas.openxmlformats.org/officeDocument/2006/relationships" xmlns:p="http://schemas.openxmlformats.org/presentationml/2006/main">
+  <p:cSld>
+    <p:spTree>
+      <p:nvGrpSpPr>
+        <p:cNvPr id="1" name=""/>
+        <p:cNvGrpSpPr/>
+        <p:nvPr/>
+      </p:nvGrpSpPr>
+      <p:grpSpPr>
+        <a:xfrm>
+          <a:off x="0" y="0"/>
+          <a:ext cx="0" cy="0"/>
+          <a:chOff x="0" y="0"/>
+          <a:chExt cx="0" cy="0"/>
+        </a:xfrm>
+      </p:grpSpPr>
+      <p:sp>
+        <p:nvSpPr>
+          <p:cNvPr id="2" name="Title 1">
+            <a:extLst>
+              <a:ext uri="{FF2B5EF4-FFF2-40B4-BE49-F238E27FC236}">
+                <a16:creationId xmlns:a16="http://schemas.microsoft.com/office/drawing/2014/main" id="{809EAC94-70ED-3F58-E8B9-D32313D3AFF0}"/>
+              </a:ext>
+            </a:extLst>
+          </p:cNvPr>
+          <p:cNvSpPr>
+            <a:spLocks noGrp="1"/>
+          </p:cNvSpPr>
+          <p:nvPr>
+            <p:ph type="title"/>
+          </p:nvPr>
+        </p:nvSpPr>
+        <p:spPr/>
+        <p:txBody>
+          <a:bodyPr/>
+          <a:lstStyle/>
+          <a:p>
+            <a:r>
+              <a:rPr lang="en-GB" dirty="0"/>
+              <a:t>Methodology (Data)</a:t>
+            </a:r>
+          </a:p>
+        </p:txBody>
+      </p:sp>
+      <p:sp>
+        <p:nvSpPr>
+          <p:cNvPr id="3" name="Content Placeholder 2">
+            <a:extLst>
+              <a:ext uri="{FF2B5EF4-FFF2-40B4-BE49-F238E27FC236}">
+                <a16:creationId xmlns:a16="http://schemas.microsoft.com/office/drawing/2014/main" id="{98660DB4-EFD7-DEFF-5B61-FB4D763BD445}"/>
+              </a:ext>
+            </a:extLst>
+          </p:cNvPr>
+          <p:cNvSpPr>
+            <a:spLocks noGrp="1"/>
+          </p:cNvSpPr>
+          <p:nvPr>
+            <p:ph idx="1"/>
+          </p:nvPr>
+        </p:nvSpPr>
+        <p:spPr>
+          <a:xfrm>
+            <a:off x="838200" y="1794617"/>
+            <a:ext cx="10515600" cy="4382346"/>
+          </a:xfrm>
+        </p:spPr>
+        <p:txBody>
+          <a:bodyPr/>
+          <a:lstStyle/>
+          <a:p>
+            <a:pPr marL="0" indent="0">
+              <a:buNone/>
+            </a:pPr>
+            <a:r>
+              <a:rPr lang="en-GB" b="1" u="sng" dirty="0"/>
+              <a:t>Training Dataset</a:t>
+            </a:r>
+          </a:p>
+          <a:p>
+            <a:pPr marL="0" indent="0">
+              <a:buNone/>
+            </a:pPr>
+            <a:endParaRPr lang="en-GB" dirty="0"/>
+          </a:p>
+          <a:p>
+            <a:pPr marL="0" indent="0">
+              <a:buNone/>
+            </a:pPr>
+            <a:endParaRPr lang="en-GB" dirty="0"/>
+          </a:p>
+        </p:txBody>
+      </p:sp>
+      <p:sp>
+        <p:nvSpPr>
+          <p:cNvPr id="4" name="Rectangle: Rounded Corners 3">
+            <a:extLst>
+              <a:ext uri="{FF2B5EF4-FFF2-40B4-BE49-F238E27FC236}">
+                <a16:creationId xmlns:a16="http://schemas.microsoft.com/office/drawing/2014/main" id="{1BD24A5B-33AD-C227-5E4C-CFB1335E97BB}"/>
+              </a:ext>
+            </a:extLst>
+          </p:cNvPr>
+          <p:cNvSpPr/>
+          <p:nvPr/>
+        </p:nvSpPr>
+        <p:spPr>
+          <a:xfrm>
+            <a:off x="1055404" y="2717563"/>
+            <a:ext cx="2110810" cy="777667"/>
+          </a:xfrm>
+          <a:prstGeom prst="roundRect">
+            <a:avLst/>
+          </a:prstGeom>
+          <a:noFill/>
+        </p:spPr>
+        <p:style>
+          <a:lnRef idx="2">
+            <a:schemeClr val="accent1">
+              <a:shade val="15000"/>
+            </a:schemeClr>
+          </a:lnRef>
+          <a:fillRef idx="1">
+            <a:schemeClr val="accent1"/>
+          </a:fillRef>
+          <a:effectRef idx="0">
+            <a:schemeClr val="accent1"/>
+          </a:effectRef>
+          <a:fontRef idx="minor">
+            <a:schemeClr val="lt1"/>
+          </a:fontRef>
+        </p:style>
+        <p:txBody>
+          <a:bodyPr rtlCol="0" anchor="ctr"/>
+          <a:lstStyle/>
+          <a:p>
+            <a:pPr algn="ctr"/>
+            <a:endParaRPr lang="en-GB"/>
+          </a:p>
+        </p:txBody>
+      </p:sp>
+      <p:sp>
+        <p:nvSpPr>
+          <p:cNvPr id="5" name="TextBox 4">
+            <a:extLst>
+              <a:ext uri="{FF2B5EF4-FFF2-40B4-BE49-F238E27FC236}">
+                <a16:creationId xmlns:a16="http://schemas.microsoft.com/office/drawing/2014/main" id="{E1909BE4-9E7C-6869-7C99-8CA009878FAA}"/>
+              </a:ext>
+            </a:extLst>
+          </p:cNvPr>
+          <p:cNvSpPr txBox="1"/>
+          <p:nvPr/>
+        </p:nvSpPr>
+        <p:spPr>
+          <a:xfrm>
+            <a:off x="1055404" y="2848899"/>
+            <a:ext cx="2174905" cy="646331"/>
+          </a:xfrm>
+          <a:prstGeom prst="rect">
+            <a:avLst/>
+          </a:prstGeom>
+          <a:noFill/>
+        </p:spPr>
+        <p:txBody>
+          <a:bodyPr wrap="square" rtlCol="0">
+            <a:spAutoFit/>
+          </a:bodyPr>
+          <a:lstStyle/>
+          <a:p>
+            <a:r>
+              <a:rPr lang="en-GB" dirty="0"/>
+              <a:t>MIT-BIH Arrhythmia Database</a:t>
+            </a:r>
+          </a:p>
+        </p:txBody>
+      </p:sp>
+      <p:sp>
+        <p:nvSpPr>
+          <p:cNvPr id="8" name="TextBox 7">
+            <a:extLst>
+              <a:ext uri="{FF2B5EF4-FFF2-40B4-BE49-F238E27FC236}">
+                <a16:creationId xmlns:a16="http://schemas.microsoft.com/office/drawing/2014/main" id="{D9727B2A-A079-8B70-F127-5C818501A919}"/>
+              </a:ext>
+            </a:extLst>
+          </p:cNvPr>
+          <p:cNvSpPr txBox="1"/>
+          <p:nvPr/>
+        </p:nvSpPr>
+        <p:spPr>
+          <a:xfrm>
+            <a:off x="1055404" y="3894034"/>
+            <a:ext cx="2174905" cy="646331"/>
+          </a:xfrm>
+          <a:prstGeom prst="rect">
+            <a:avLst/>
+          </a:prstGeom>
+          <a:noFill/>
+        </p:spPr>
+        <p:txBody>
+          <a:bodyPr wrap="square" rtlCol="0">
+            <a:spAutoFit/>
+          </a:bodyPr>
+          <a:lstStyle/>
+          <a:p>
+            <a:r>
+              <a:rPr lang="en-GB" dirty="0"/>
+              <a:t>MIT-BIH Noise Stress Test Database</a:t>
+            </a:r>
+          </a:p>
+        </p:txBody>
+      </p:sp>
+      <p:sp>
+        <p:nvSpPr>
+          <p:cNvPr id="9" name="Rectangle: Rounded Corners 8">
+            <a:extLst>
+              <a:ext uri="{FF2B5EF4-FFF2-40B4-BE49-F238E27FC236}">
+                <a16:creationId xmlns:a16="http://schemas.microsoft.com/office/drawing/2014/main" id="{B292003D-0C06-F9DB-63ED-C1C92AF86C30}"/>
+              </a:ext>
+            </a:extLst>
+          </p:cNvPr>
+          <p:cNvSpPr/>
+          <p:nvPr/>
+        </p:nvSpPr>
+        <p:spPr>
+          <a:xfrm>
+            <a:off x="1055404" y="3800931"/>
+            <a:ext cx="2110810" cy="777667"/>
+          </a:xfrm>
+          <a:prstGeom prst="roundRect">
+            <a:avLst/>
+          </a:prstGeom>
+          <a:noFill/>
+        </p:spPr>
+        <p:style>
+          <a:lnRef idx="2">
+            <a:schemeClr val="accent1">
+              <a:shade val="15000"/>
+            </a:schemeClr>
+          </a:lnRef>
+          <a:fillRef idx="1">
+            <a:schemeClr val="accent1"/>
+          </a:fillRef>
+          <a:effectRef idx="0">
+            <a:schemeClr val="accent1"/>
+          </a:effectRef>
+          <a:fontRef idx="minor">
+            <a:schemeClr val="lt1"/>
+          </a:fontRef>
+        </p:style>
+        <p:txBody>
+          <a:bodyPr rtlCol="0" anchor="ctr"/>
+          <a:lstStyle/>
+          <a:p>
+            <a:pPr algn="ctr"/>
+            <a:endParaRPr lang="en-GB"/>
+          </a:p>
+        </p:txBody>
+      </p:sp>
+      <p:cxnSp>
+        <p:nvCxnSpPr>
+          <p:cNvPr id="12" name="Straight Connector 11">
+            <a:extLst>
+              <a:ext uri="{FF2B5EF4-FFF2-40B4-BE49-F238E27FC236}">
+                <a16:creationId xmlns:a16="http://schemas.microsoft.com/office/drawing/2014/main" id="{C12A75C5-538C-45F5-9F04-273F783067AE}"/>
+              </a:ext>
+            </a:extLst>
+          </p:cNvPr>
+          <p:cNvCxnSpPr/>
+          <p:nvPr/>
+        </p:nvCxnSpPr>
+        <p:spPr>
+          <a:xfrm>
+            <a:off x="3166214" y="3110669"/>
+            <a:ext cx="837489" cy="0"/>
+          </a:xfrm>
+          <a:prstGeom prst="line">
+            <a:avLst/>
+          </a:prstGeom>
+        </p:spPr>
+        <p:style>
+          <a:lnRef idx="1">
+            <a:schemeClr val="dk1"/>
+          </a:lnRef>
+          <a:fillRef idx="0">
+            <a:schemeClr val="dk1"/>
+          </a:fillRef>
+          <a:effectRef idx="0">
+            <a:schemeClr val="dk1"/>
+          </a:effectRef>
+          <a:fontRef idx="minor">
+            <a:schemeClr val="tx1"/>
+          </a:fontRef>
+        </p:style>
+      </p:cxnSp>
+      <p:cxnSp>
+        <p:nvCxnSpPr>
+          <p:cNvPr id="13" name="Straight Connector 12">
+            <a:extLst>
+              <a:ext uri="{FF2B5EF4-FFF2-40B4-BE49-F238E27FC236}">
+                <a16:creationId xmlns:a16="http://schemas.microsoft.com/office/drawing/2014/main" id="{54DA139F-4541-A9FC-578D-A71828FF5829}"/>
+              </a:ext>
+            </a:extLst>
+          </p:cNvPr>
+          <p:cNvCxnSpPr/>
+          <p:nvPr/>
+        </p:nvCxnSpPr>
+        <p:spPr>
+          <a:xfrm>
+            <a:off x="3166214" y="4202582"/>
+            <a:ext cx="837489" cy="0"/>
+          </a:xfrm>
+          <a:prstGeom prst="line">
+            <a:avLst/>
+          </a:prstGeom>
+        </p:spPr>
+        <p:style>
+          <a:lnRef idx="1">
+            <a:schemeClr val="dk1"/>
+          </a:lnRef>
+          <a:fillRef idx="0">
+            <a:schemeClr val="dk1"/>
+          </a:fillRef>
+          <a:effectRef idx="0">
+            <a:schemeClr val="dk1"/>
+          </a:effectRef>
+          <a:fontRef idx="minor">
+            <a:schemeClr val="tx1"/>
+          </a:fontRef>
+        </p:style>
+      </p:cxnSp>
+      <p:cxnSp>
+        <p:nvCxnSpPr>
+          <p:cNvPr id="14" name="Straight Connector 13">
+            <a:extLst>
+              <a:ext uri="{FF2B5EF4-FFF2-40B4-BE49-F238E27FC236}">
+                <a16:creationId xmlns:a16="http://schemas.microsoft.com/office/drawing/2014/main" id="{16E1B621-0FB4-CD88-7A0E-EA9F9986CFA3}"/>
+              </a:ext>
+            </a:extLst>
+          </p:cNvPr>
+          <p:cNvCxnSpPr>
+            <a:cxnSpLocks/>
+          </p:cNvCxnSpPr>
+          <p:nvPr/>
+        </p:nvCxnSpPr>
+        <p:spPr>
+          <a:xfrm>
+            <a:off x="4003703" y="3106396"/>
+            <a:ext cx="0" cy="474292"/>
+          </a:xfrm>
+          <a:prstGeom prst="line">
+            <a:avLst/>
+          </a:prstGeom>
+        </p:spPr>
+        <p:style>
+          <a:lnRef idx="1">
+            <a:schemeClr val="dk1"/>
+          </a:lnRef>
+          <a:fillRef idx="0">
+            <a:schemeClr val="dk1"/>
+          </a:fillRef>
+          <a:effectRef idx="0">
+            <a:schemeClr val="dk1"/>
+          </a:effectRef>
+          <a:fontRef idx="minor">
+            <a:schemeClr val="tx1"/>
+          </a:fontRef>
+        </p:style>
+      </p:cxnSp>
+      <p:cxnSp>
+        <p:nvCxnSpPr>
+          <p:cNvPr id="16" name="Straight Connector 15">
+            <a:extLst>
+              <a:ext uri="{FF2B5EF4-FFF2-40B4-BE49-F238E27FC236}">
+                <a16:creationId xmlns:a16="http://schemas.microsoft.com/office/drawing/2014/main" id="{0E39E135-53AD-818E-1925-5B248A6412CC}"/>
+              </a:ext>
+            </a:extLst>
+          </p:cNvPr>
+          <p:cNvCxnSpPr>
+            <a:cxnSpLocks/>
+          </p:cNvCxnSpPr>
+          <p:nvPr/>
+        </p:nvCxnSpPr>
+        <p:spPr>
+          <a:xfrm>
+            <a:off x="4003703" y="3580688"/>
+            <a:ext cx="2844" cy="626692"/>
+          </a:xfrm>
+          <a:prstGeom prst="line">
+            <a:avLst/>
+          </a:prstGeom>
+        </p:spPr>
+        <p:style>
+          <a:lnRef idx="1">
+            <a:schemeClr val="dk1"/>
+          </a:lnRef>
+          <a:fillRef idx="0">
+            <a:schemeClr val="dk1"/>
+          </a:fillRef>
+          <a:effectRef idx="0">
+            <a:schemeClr val="dk1"/>
+          </a:effectRef>
+          <a:fontRef idx="minor">
+            <a:schemeClr val="tx1"/>
+          </a:fontRef>
+        </p:style>
+      </p:cxnSp>
+      <p:cxnSp>
+        <p:nvCxnSpPr>
+          <p:cNvPr id="19" name="Straight Arrow Connector 18">
+            <a:extLst>
+              <a:ext uri="{FF2B5EF4-FFF2-40B4-BE49-F238E27FC236}">
+                <a16:creationId xmlns:a16="http://schemas.microsoft.com/office/drawing/2014/main" id="{A8910996-D6A5-7F8A-8DBC-793DE78B8012}"/>
+              </a:ext>
+            </a:extLst>
+          </p:cNvPr>
+          <p:cNvCxnSpPr/>
+          <p:nvPr/>
+        </p:nvCxnSpPr>
+        <p:spPr>
+          <a:xfrm>
+            <a:off x="4003703" y="3580688"/>
+            <a:ext cx="918675" cy="0"/>
+          </a:xfrm>
+          <a:prstGeom prst="straightConnector1">
+            <a:avLst/>
+          </a:prstGeom>
+          <a:ln>
+            <a:tailEnd type="triangle"/>
+          </a:ln>
+        </p:spPr>
+        <p:style>
+          <a:lnRef idx="1">
+            <a:schemeClr val="dk1"/>
+          </a:lnRef>
+          <a:fillRef idx="0">
+            <a:schemeClr val="dk1"/>
+          </a:fillRef>
+          <a:effectRef idx="0">
+            <a:schemeClr val="dk1"/>
+          </a:effectRef>
+          <a:fontRef idx="minor">
+            <a:schemeClr val="tx1"/>
+          </a:fontRef>
+        </p:style>
+      </p:cxnSp>
+      <p:sp>
+        <p:nvSpPr>
+          <p:cNvPr id="20" name="Rectangle: Rounded Corners 19">
+            <a:extLst>
+              <a:ext uri="{FF2B5EF4-FFF2-40B4-BE49-F238E27FC236}">
+                <a16:creationId xmlns:a16="http://schemas.microsoft.com/office/drawing/2014/main" id="{F409E28D-AB39-AE7C-6003-DFF860B2CD2B}"/>
+              </a:ext>
+            </a:extLst>
+          </p:cNvPr>
+          <p:cNvSpPr/>
+          <p:nvPr/>
+        </p:nvSpPr>
+        <p:spPr>
+          <a:xfrm>
+            <a:off x="4922378" y="2965766"/>
+            <a:ext cx="3162658" cy="1253904"/>
+          </a:xfrm>
+          <a:prstGeom prst="roundRect">
+            <a:avLst/>
+          </a:prstGeom>
+          <a:noFill/>
+        </p:spPr>
+        <p:style>
+          <a:lnRef idx="2">
+            <a:schemeClr val="accent1">
+              <a:shade val="15000"/>
+            </a:schemeClr>
+          </a:lnRef>
+          <a:fillRef idx="1">
+            <a:schemeClr val="accent1"/>
+          </a:fillRef>
+          <a:effectRef idx="0">
+            <a:schemeClr val="accent1"/>
+          </a:effectRef>
+          <a:fontRef idx="minor">
+            <a:schemeClr val="lt1"/>
+          </a:fontRef>
+        </p:style>
+        <p:txBody>
+          <a:bodyPr rtlCol="0" anchor="ctr"/>
+          <a:lstStyle/>
+          <a:p>
+            <a:pPr algn="ctr"/>
+            <a:endParaRPr lang="en-GB"/>
+          </a:p>
+        </p:txBody>
+      </p:sp>
+      <p:sp>
+        <p:nvSpPr>
+          <p:cNvPr id="21" name="TextBox 20">
+            <a:extLst>
+              <a:ext uri="{FF2B5EF4-FFF2-40B4-BE49-F238E27FC236}">
+                <a16:creationId xmlns:a16="http://schemas.microsoft.com/office/drawing/2014/main" id="{8D87D644-D32A-1129-DCA1-58591E7387CD}"/>
+              </a:ext>
+            </a:extLst>
+          </p:cNvPr>
+          <p:cNvSpPr txBox="1"/>
+          <p:nvPr/>
+        </p:nvSpPr>
+        <p:spPr>
+          <a:xfrm>
+            <a:off x="5316212" y="3247703"/>
+            <a:ext cx="2366472" cy="646331"/>
+          </a:xfrm>
+          <a:prstGeom prst="rect">
+            <a:avLst/>
+          </a:prstGeom>
+          <a:noFill/>
+        </p:spPr>
+        <p:txBody>
+          <a:bodyPr wrap="square" rtlCol="0">
+            <a:spAutoFit/>
+          </a:bodyPr>
+          <a:lstStyle/>
+          <a:p>
+            <a:r>
+              <a:rPr lang="en-GB" dirty="0"/>
+              <a:t>Electrode Motion corrupt ECG recordings</a:t>
+            </a:r>
+          </a:p>
+        </p:txBody>
+      </p:sp>
+      <p:sp>
+        <p:nvSpPr>
+          <p:cNvPr id="22" name="Plus Sign 21">
+            <a:extLst>
+              <a:ext uri="{FF2B5EF4-FFF2-40B4-BE49-F238E27FC236}">
+                <a16:creationId xmlns:a16="http://schemas.microsoft.com/office/drawing/2014/main" id="{F047A242-F20F-8DA8-CDCC-FC844ACBC5B8}"/>
+              </a:ext>
+            </a:extLst>
+          </p:cNvPr>
+          <p:cNvSpPr/>
+          <p:nvPr/>
+        </p:nvSpPr>
+        <p:spPr>
+          <a:xfrm>
+            <a:off x="3564308" y="3411926"/>
+            <a:ext cx="410214" cy="371930"/>
+          </a:xfrm>
+          <a:prstGeom prst="mathPlus">
+            <a:avLst/>
+          </a:prstGeom>
+        </p:spPr>
+        <p:style>
+          <a:lnRef idx="2">
+            <a:schemeClr val="dk1">
+              <a:shade val="15000"/>
+            </a:schemeClr>
+          </a:lnRef>
+          <a:fillRef idx="1">
+            <a:schemeClr val="dk1"/>
+          </a:fillRef>
+          <a:effectRef idx="0">
+            <a:schemeClr val="dk1"/>
+          </a:effectRef>
+          <a:fontRef idx="minor">
+            <a:schemeClr val="lt1"/>
+          </a:fontRef>
+        </p:style>
+        <p:txBody>
+          <a:bodyPr rtlCol="0" anchor="ctr"/>
+          <a:lstStyle/>
+          <a:p>
+            <a:pPr algn="ctr"/>
+            <a:endParaRPr lang="en-GB"/>
+          </a:p>
+        </p:txBody>
+      </p:sp>
+      <mc:AlternateContent xmlns:mc="http://schemas.openxmlformats.org/markup-compatibility/2006">
+        <mc:Choice xmlns:a14="http://schemas.microsoft.com/office/drawing/2010/main" Requires="a14">
+          <p:sp>
+            <p:nvSpPr>
+              <p:cNvPr id="25" name="TextBox 24">
+                <a:extLst>
+                  <a:ext uri="{FF2B5EF4-FFF2-40B4-BE49-F238E27FC236}">
+                    <a16:creationId xmlns:a16="http://schemas.microsoft.com/office/drawing/2014/main" id="{B8710F82-B867-428C-109A-769E37DFD390}"/>
+                  </a:ext>
+                </a:extLst>
+              </p:cNvPr>
+              <p:cNvSpPr txBox="1"/>
+              <p:nvPr/>
+            </p:nvSpPr>
+            <p:spPr>
+              <a:xfrm>
+                <a:off x="3166214" y="2564657"/>
+                <a:ext cx="1872820" cy="276999"/>
+              </a:xfrm>
+              <a:prstGeom prst="rect">
+                <a:avLst/>
+              </a:prstGeom>
+              <a:noFill/>
+            </p:spPr>
+            <p:txBody>
+              <a:bodyPr wrap="none" lIns="0" tIns="0" rIns="0" bIns="0" rtlCol="0">
+                <a:spAutoFit/>
+              </a:bodyPr>
+              <a:lstStyle/>
+              <a:p>
+                <a14:m>
+                  <m:oMathPara xmlns:m="http://schemas.openxmlformats.org/officeDocument/2006/math">
+                    <m:oMathParaPr>
+                      <m:jc m:val="centerGroup"/>
+                    </m:oMathParaPr>
+                    <m:oMath xmlns:m="http://schemas.openxmlformats.org/officeDocument/2006/math">
+                      <m:sSub>
+                        <m:sSubPr>
+                          <m:ctrlPr>
+                            <a:rPr lang="en-GB" i="1" smtClean="0">
+                              <a:latin typeface="Cambria Math" panose="02040503050406030204" pitchFamily="18" charset="0"/>
+                            </a:rPr>
+                          </m:ctrlPr>
+                        </m:sSubPr>
+                        <m:e>
+                          <m:r>
+                            <a:rPr lang="en-GB" b="0" i="1" smtClean="0">
+                              <a:latin typeface="Cambria Math" panose="02040503050406030204" pitchFamily="18" charset="0"/>
+                            </a:rPr>
+                            <m:t>𝑋</m:t>
+                          </m:r>
+                        </m:e>
+                        <m:sub>
+                          <m:r>
+                            <a:rPr lang="en-GB" b="0" i="1" smtClean="0">
+                              <a:latin typeface="Cambria Math" panose="02040503050406030204" pitchFamily="18" charset="0"/>
+                            </a:rPr>
+                            <m:t>𝑛</m:t>
+                          </m:r>
+                        </m:sub>
+                      </m:sSub>
+                      <m:r>
+                        <a:rPr lang="en-GB" i="1" smtClean="0">
+                          <a:latin typeface="Cambria Math" panose="02040503050406030204" pitchFamily="18" charset="0"/>
+                        </a:rPr>
+                        <m:t>=</m:t>
+                      </m:r>
+                      <m:r>
+                        <a:rPr lang="en-GB" b="0" i="1" smtClean="0">
+                          <a:latin typeface="Cambria Math" panose="02040503050406030204" pitchFamily="18" charset="0"/>
+                        </a:rPr>
+                        <m:t>𝑋</m:t>
+                      </m:r>
+                      <m:r>
+                        <a:rPr lang="en-GB" b="0" i="1" smtClean="0">
+                          <a:latin typeface="Cambria Math" panose="02040503050406030204" pitchFamily="18" charset="0"/>
+                        </a:rPr>
+                        <m:t>+(</m:t>
+                      </m:r>
+                      <m:r>
+                        <a:rPr lang="en-GB" b="0" i="1" smtClean="0">
+                          <a:latin typeface="Cambria Math" panose="02040503050406030204" pitchFamily="18" charset="0"/>
+                        </a:rPr>
+                        <m:t>𝑛</m:t>
+                      </m:r>
+                      <m:r>
+                        <a:rPr lang="en-GB" b="0" i="1" smtClean="0">
+                          <a:latin typeface="Cambria Math" panose="02040503050406030204" pitchFamily="18" charset="0"/>
+                        </a:rPr>
+                        <m:t> × </m:t>
+                      </m:r>
+                      <m:r>
+                        <a:rPr lang="en-GB" b="0" i="1" smtClean="0">
+                          <a:latin typeface="Cambria Math" panose="02040503050406030204" pitchFamily="18" charset="0"/>
+                          <a:ea typeface="Cambria Math" panose="02040503050406030204" pitchFamily="18" charset="0"/>
+                        </a:rPr>
+                        <m:t>𝛾</m:t>
+                      </m:r>
+                      <m:r>
+                        <a:rPr lang="en-GB" b="0" i="1" smtClean="0">
+                          <a:latin typeface="Cambria Math" panose="02040503050406030204" pitchFamily="18" charset="0"/>
+                          <a:ea typeface="Cambria Math" panose="02040503050406030204" pitchFamily="18" charset="0"/>
+                        </a:rPr>
+                        <m:t>)</m:t>
+                      </m:r>
+                    </m:oMath>
+                  </m:oMathPara>
+                </a14:m>
+                <a:endParaRPr lang="en-GB" dirty="0"/>
+              </a:p>
+            </p:txBody>
+          </p:sp>
+        </mc:Choice>
+        <mc:Fallback>
+          <p:sp>
+            <p:nvSpPr>
+              <p:cNvPr id="25" name="TextBox 24">
+                <a:extLst>
+                  <a:ext uri="{FF2B5EF4-FFF2-40B4-BE49-F238E27FC236}">
+                    <a16:creationId xmlns:a16="http://schemas.microsoft.com/office/drawing/2014/main" id="{B8710F82-B867-428C-109A-769E37DFD390}"/>
+                  </a:ext>
+                </a:extLst>
+              </p:cNvPr>
+              <p:cNvSpPr txBox="1">
+                <a:spLocks noRot="1" noChangeAspect="1" noMove="1" noResize="1" noEditPoints="1" noAdjustHandles="1" noChangeArrowheads="1" noChangeShapeType="1" noTextEdit="1"/>
+              </p:cNvSpPr>
+              <p:nvPr/>
+            </p:nvSpPr>
+            <p:spPr>
+              <a:xfrm>
+                <a:off x="3166214" y="2564657"/>
+                <a:ext cx="1872820" cy="276999"/>
+              </a:xfrm>
+              <a:prstGeom prst="rect">
+                <a:avLst/>
+              </a:prstGeom>
+              <a:blipFill>
+                <a:blip r:embed="rId2"/>
+                <a:stretch>
+                  <a:fillRect l="-2273" t="-4444" r="-3896" b="-35556"/>
+                </a:stretch>
+              </a:blipFill>
+            </p:spPr>
+            <p:txBody>
+              <a:bodyPr/>
+              <a:lstStyle/>
+              <a:p>
+                <a:r>
+                  <a:rPr lang="en-GB">
+                    <a:noFill/>
+                  </a:rPr>
+                  <a:t> </a:t>
+                </a:r>
+              </a:p>
+            </p:txBody>
+          </p:sp>
+        </mc:Fallback>
+      </mc:AlternateContent>
+      <mc:AlternateContent xmlns:mc="http://schemas.openxmlformats.org/markup-compatibility/2006">
+        <mc:Choice xmlns:a14="http://schemas.microsoft.com/office/drawing/2010/main" Requires="a14">
+          <p:sp>
+            <p:nvSpPr>
+              <p:cNvPr id="26" name="TextBox 25">
+                <a:extLst>
+                  <a:ext uri="{FF2B5EF4-FFF2-40B4-BE49-F238E27FC236}">
+                    <a16:creationId xmlns:a16="http://schemas.microsoft.com/office/drawing/2014/main" id="{CB0501AE-A9C7-4404-FDE3-4EE8E5FE8FD1}"/>
+                  </a:ext>
+                </a:extLst>
+              </p:cNvPr>
+              <p:cNvSpPr txBox="1"/>
+              <p:nvPr/>
+            </p:nvSpPr>
+            <p:spPr>
+              <a:xfrm>
+                <a:off x="915113" y="4748513"/>
+                <a:ext cx="10512756" cy="1898468"/>
+              </a:xfrm>
+              <a:prstGeom prst="rect">
+                <a:avLst/>
+              </a:prstGeom>
+              <a:noFill/>
+            </p:spPr>
+            <p:txBody>
+              <a:bodyPr wrap="square" rtlCol="0">
+                <a:spAutoFit/>
+              </a:bodyPr>
+              <a:lstStyle/>
+              <a:p>
+                <a:pPr marL="285750" indent="-285750">
+                  <a:buFont typeface="Arial" panose="020B0604020202020204" pitchFamily="34" charset="0"/>
+                  <a:buChar char="•"/>
+                </a:pPr>
+                <a:r>
+                  <a:rPr lang="en-GB" dirty="0"/>
+                  <a:t>48 half hour records from MIT-BIH Arrhythmia used.</a:t>
+                </a:r>
+              </a:p>
+              <a:p>
+                <a:pPr marL="285750" indent="-285750">
+                  <a:buFont typeface="Arial" panose="020B0604020202020204" pitchFamily="34" charset="0"/>
+                  <a:buChar char="•"/>
+                </a:pPr>
+                <a14:m>
+                  <m:oMath xmlns:m="http://schemas.openxmlformats.org/officeDocument/2006/math">
+                    <m:r>
+                      <a:rPr lang="en-GB" b="0" i="1" smtClean="0">
+                        <a:latin typeface="Cambria Math" panose="02040503050406030204" pitchFamily="18" charset="0"/>
+                        <a:ea typeface="Cambria Math" panose="02040503050406030204" pitchFamily="18" charset="0"/>
+                      </a:rPr>
+                      <m:t>𝛾</m:t>
+                    </m:r>
+                  </m:oMath>
+                </a14:m>
+                <a:r>
+                  <a:rPr lang="en-GB" dirty="0"/>
+                  <a:t> is a scaling factor used to control the SNR of the noise corrupt signal.</a:t>
+                </a:r>
+              </a:p>
+              <a:p>
+                <a:pPr marL="285750" indent="-285750">
+                  <a:buFont typeface="Arial" panose="020B0604020202020204" pitchFamily="34" charset="0"/>
+                  <a:buChar char="•"/>
+                </a:pPr>
+                <a:r>
+                  <a:rPr lang="en-GB" dirty="0"/>
+                  <a:t>Increasing </a:t>
+                </a:r>
+                <a14:m>
+                  <m:oMath xmlns:m="http://schemas.openxmlformats.org/officeDocument/2006/math">
+                    <m:r>
+                      <a:rPr lang="en-GB" b="0" i="1" smtClean="0">
+                        <a:latin typeface="Cambria Math" panose="02040503050406030204" pitchFamily="18" charset="0"/>
+                        <a:ea typeface="Cambria Math" panose="02040503050406030204" pitchFamily="18" charset="0"/>
+                      </a:rPr>
+                      <m:t>𝛾</m:t>
+                    </m:r>
+                  </m:oMath>
+                </a14:m>
+                <a:r>
+                  <a:rPr lang="en-GB" dirty="0"/>
+                  <a:t> will reduce the SNR (IE a noisier signal):</a:t>
+                </a:r>
+              </a:p>
+              <a:p>
+                <a:endParaRPr lang="en-GB" dirty="0"/>
+              </a:p>
+              <a:p>
+                <a:pPr lvl="5"/>
+                <a14:m>
+                  <m:oMathPara xmlns:m="http://schemas.openxmlformats.org/officeDocument/2006/math">
+                    <m:oMathParaPr>
+                      <m:jc m:val="centerGroup"/>
+                    </m:oMathParaPr>
+                    <m:oMath xmlns:m="http://schemas.openxmlformats.org/officeDocument/2006/math">
+                      <m:r>
+                        <a:rPr lang="en-GB" b="0" i="1" smtClean="0">
+                          <a:latin typeface="Cambria Math" panose="02040503050406030204" pitchFamily="18" charset="0"/>
+                          <a:ea typeface="Cambria Math" panose="02040503050406030204" pitchFamily="18" charset="0"/>
+                        </a:rPr>
+                        <m:t>𝛾</m:t>
+                      </m:r>
+                      <m:r>
+                        <a:rPr lang="en-GB" b="0" i="1" smtClean="0">
+                          <a:latin typeface="Cambria Math" panose="02040503050406030204" pitchFamily="18" charset="0"/>
+                        </a:rPr>
+                        <m:t>= </m:t>
+                      </m:r>
+                      <m:f>
+                        <m:fPr>
+                          <m:ctrlPr>
+                            <a:rPr lang="en-GB" b="0" i="1" smtClean="0">
+                              <a:latin typeface="Cambria Math" panose="02040503050406030204" pitchFamily="18" charset="0"/>
+                            </a:rPr>
+                          </m:ctrlPr>
+                        </m:fPr>
+                        <m:num>
+                          <m:r>
+                            <a:rPr lang="en-GB" b="0" i="1" smtClean="0">
+                              <a:latin typeface="Cambria Math" panose="02040503050406030204" pitchFamily="18" charset="0"/>
+                            </a:rPr>
+                            <m:t>𝑅𝑀𝑆</m:t>
+                          </m:r>
+                          <m:r>
+                            <a:rPr lang="en-GB" b="0" i="1" smtClean="0">
+                              <a:latin typeface="Cambria Math" panose="02040503050406030204" pitchFamily="18" charset="0"/>
+                            </a:rPr>
+                            <m:t>(</m:t>
+                          </m:r>
+                          <m:r>
+                            <a:rPr lang="en-GB" b="0" i="1" smtClean="0">
+                              <a:latin typeface="Cambria Math" panose="02040503050406030204" pitchFamily="18" charset="0"/>
+                            </a:rPr>
+                            <m:t>𝑋</m:t>
+                          </m:r>
+                          <m:r>
+                            <a:rPr lang="en-GB" b="0" i="1" smtClean="0">
+                              <a:latin typeface="Cambria Math" panose="02040503050406030204" pitchFamily="18" charset="0"/>
+                            </a:rPr>
+                            <m:t>)</m:t>
+                          </m:r>
+                        </m:num>
+                        <m:den>
+                          <m:r>
+                            <a:rPr lang="en-GB" b="0" i="1" smtClean="0">
+                              <a:latin typeface="Cambria Math" panose="02040503050406030204" pitchFamily="18" charset="0"/>
+                            </a:rPr>
+                            <m:t>𝑅𝑀𝑆</m:t>
+                          </m:r>
+                          <m:d>
+                            <m:dPr>
+                              <m:ctrlPr>
+                                <a:rPr lang="en-GB" b="0" i="1" smtClean="0">
+                                  <a:latin typeface="Cambria Math" panose="02040503050406030204" pitchFamily="18" charset="0"/>
+                                </a:rPr>
+                              </m:ctrlPr>
+                            </m:dPr>
+                            <m:e>
+                              <m:r>
+                                <a:rPr lang="en-GB" b="0" i="1" smtClean="0">
+                                  <a:latin typeface="Cambria Math" panose="02040503050406030204" pitchFamily="18" charset="0"/>
+                                </a:rPr>
+                                <m:t>𝑛</m:t>
+                              </m:r>
+                            </m:e>
+                          </m:d>
+                          <m:r>
+                            <a:rPr lang="en-GB" b="0" i="1" smtClean="0">
+                              <a:latin typeface="Cambria Math" panose="02040503050406030204" pitchFamily="18" charset="0"/>
+                              <a:ea typeface="Cambria Math" panose="02040503050406030204" pitchFamily="18" charset="0"/>
+                            </a:rPr>
+                            <m:t>×(</m:t>
+                          </m:r>
+                          <m:sSup>
+                            <m:sSupPr>
+                              <m:ctrlPr>
+                                <a:rPr lang="en-GB" b="0" i="1" smtClean="0">
+                                  <a:latin typeface="Cambria Math" panose="02040503050406030204" pitchFamily="18" charset="0"/>
+                                  <a:ea typeface="Cambria Math" panose="02040503050406030204" pitchFamily="18" charset="0"/>
+                                </a:rPr>
+                              </m:ctrlPr>
+                            </m:sSupPr>
+                            <m:e>
+                              <m:r>
+                                <a:rPr lang="en-GB" b="0" i="1" smtClean="0">
+                                  <a:latin typeface="Cambria Math" panose="02040503050406030204" pitchFamily="18" charset="0"/>
+                                  <a:ea typeface="Cambria Math" panose="02040503050406030204" pitchFamily="18" charset="0"/>
+                                </a:rPr>
+                                <m:t>10</m:t>
+                              </m:r>
+                            </m:e>
+                            <m:sup>
+                              <m:d>
+                                <m:dPr>
+                                  <m:ctrlPr>
+                                    <a:rPr lang="en-GB" b="0" i="1" smtClean="0">
+                                      <a:latin typeface="Cambria Math" panose="02040503050406030204" pitchFamily="18" charset="0"/>
+                                      <a:ea typeface="Cambria Math" panose="02040503050406030204" pitchFamily="18" charset="0"/>
+                                    </a:rPr>
+                                  </m:ctrlPr>
+                                </m:dPr>
+                                <m:e>
+                                  <m:r>
+                                    <a:rPr lang="en-GB" b="0" i="1" smtClean="0">
+                                      <a:latin typeface="Cambria Math" panose="02040503050406030204" pitchFamily="18" charset="0"/>
+                                      <a:ea typeface="Cambria Math" panose="02040503050406030204" pitchFamily="18" charset="0"/>
+                                    </a:rPr>
+                                    <m:t>0.1 × </m:t>
+                                  </m:r>
+                                  <m:f>
+                                    <m:fPr>
+                                      <m:ctrlPr>
+                                        <a:rPr lang="en-GB" b="0" i="1" smtClean="0">
+                                          <a:latin typeface="Cambria Math" panose="02040503050406030204" pitchFamily="18" charset="0"/>
+                                          <a:ea typeface="Cambria Math" panose="02040503050406030204" pitchFamily="18" charset="0"/>
+                                        </a:rPr>
+                                      </m:ctrlPr>
+                                    </m:fPr>
+                                    <m:num>
+                                      <m:r>
+                                        <a:rPr lang="en-GB" b="0" i="1" smtClean="0">
+                                          <a:latin typeface="Cambria Math" panose="02040503050406030204" pitchFamily="18" charset="0"/>
+                                          <a:ea typeface="Cambria Math" panose="02040503050406030204" pitchFamily="18" charset="0"/>
+                                        </a:rPr>
+                                        <m:t>𝑎</m:t>
+                                      </m:r>
+                                    </m:num>
+                                    <m:den>
+                                      <m:r>
+                                        <a:rPr lang="en-GB" b="0" i="1" smtClean="0">
+                                          <a:latin typeface="Cambria Math" panose="02040503050406030204" pitchFamily="18" charset="0"/>
+                                          <a:ea typeface="Cambria Math" panose="02040503050406030204" pitchFamily="18" charset="0"/>
+                                        </a:rPr>
+                                        <m:t>2</m:t>
+                                      </m:r>
+                                    </m:den>
+                                  </m:f>
+                                </m:e>
+                              </m:d>
+                            </m:sup>
+                          </m:sSup>
+                          <m:r>
+                            <a:rPr lang="en-GB" b="0" i="1" smtClean="0">
+                              <a:latin typeface="Cambria Math" panose="02040503050406030204" pitchFamily="18" charset="0"/>
+                              <a:ea typeface="Cambria Math" panose="02040503050406030204" pitchFamily="18" charset="0"/>
+                            </a:rPr>
+                            <m:t>)</m:t>
+                          </m:r>
+                        </m:den>
+                      </m:f>
+                    </m:oMath>
+                  </m:oMathPara>
+                </a14:m>
+                <a:endParaRPr lang="en-GB" dirty="0"/>
+              </a:p>
+            </p:txBody>
+          </p:sp>
+        </mc:Choice>
+        <mc:Fallback>
+          <p:sp>
+            <p:nvSpPr>
+              <p:cNvPr id="26" name="TextBox 25">
+                <a:extLst>
+                  <a:ext uri="{FF2B5EF4-FFF2-40B4-BE49-F238E27FC236}">
+                    <a16:creationId xmlns:a16="http://schemas.microsoft.com/office/drawing/2014/main" id="{CB0501AE-A9C7-4404-FDE3-4EE8E5FE8FD1}"/>
+                  </a:ext>
+                </a:extLst>
+              </p:cNvPr>
+              <p:cNvSpPr txBox="1">
+                <a:spLocks noRot="1" noChangeAspect="1" noMove="1" noResize="1" noEditPoints="1" noAdjustHandles="1" noChangeArrowheads="1" noChangeShapeType="1" noTextEdit="1"/>
+              </p:cNvSpPr>
+              <p:nvPr/>
+            </p:nvSpPr>
+            <p:spPr>
+              <a:xfrm>
+                <a:off x="915113" y="4748513"/>
+                <a:ext cx="10512756" cy="1898468"/>
+              </a:xfrm>
+              <a:prstGeom prst="rect">
+                <a:avLst/>
+              </a:prstGeom>
+              <a:blipFill>
+                <a:blip r:embed="rId3"/>
+                <a:stretch>
+                  <a:fillRect l="-348" t="-1929"/>
+                </a:stretch>
+              </a:blipFill>
+            </p:spPr>
+            <p:txBody>
+              <a:bodyPr/>
+              <a:lstStyle/>
+              <a:p>
+                <a:r>
+                  <a:rPr lang="en-GB">
+                    <a:noFill/>
+                  </a:rPr>
+                  <a:t> </a:t>
+                </a:r>
+              </a:p>
+            </p:txBody>
+          </p:sp>
+        </mc:Fallback>
+      </mc:AlternateContent>
+      <p:cxnSp>
+        <p:nvCxnSpPr>
+          <p:cNvPr id="28" name="Straight Arrow Connector 27">
+            <a:extLst>
+              <a:ext uri="{FF2B5EF4-FFF2-40B4-BE49-F238E27FC236}">
+                <a16:creationId xmlns:a16="http://schemas.microsoft.com/office/drawing/2014/main" id="{0067BE9F-B55E-B501-A055-B16434066BF4}"/>
+              </a:ext>
+            </a:extLst>
+          </p:cNvPr>
+          <p:cNvCxnSpPr/>
+          <p:nvPr/>
+        </p:nvCxnSpPr>
+        <p:spPr>
+          <a:xfrm flipH="1">
+            <a:off x="6499448" y="5708591"/>
+            <a:ext cx="1849793" cy="401652"/>
+          </a:xfrm>
+          <a:prstGeom prst="straightConnector1">
+            <a:avLst/>
+          </a:prstGeom>
+          <a:ln>
+            <a:tailEnd type="triangle"/>
+          </a:ln>
+        </p:spPr>
+        <p:style>
+          <a:lnRef idx="1">
+            <a:schemeClr val="dk1"/>
+          </a:lnRef>
+          <a:fillRef idx="0">
+            <a:schemeClr val="dk1"/>
+          </a:fillRef>
+          <a:effectRef idx="0">
+            <a:schemeClr val="dk1"/>
+          </a:effectRef>
+          <a:fontRef idx="minor">
+            <a:schemeClr val="tx1"/>
+          </a:fontRef>
+        </p:style>
+      </p:cxnSp>
+      <mc:AlternateContent xmlns:mc="http://schemas.openxmlformats.org/markup-compatibility/2006">
+        <mc:Choice xmlns:a14="http://schemas.microsoft.com/office/drawing/2010/main" Requires="a14">
+          <p:sp>
+            <p:nvSpPr>
+              <p:cNvPr id="29" name="TextBox 28">
+                <a:extLst>
+                  <a:ext uri="{FF2B5EF4-FFF2-40B4-BE49-F238E27FC236}">
+                    <a16:creationId xmlns:a16="http://schemas.microsoft.com/office/drawing/2014/main" id="{63D86AF6-A986-04FA-A60D-5668EAFAEAE6}"/>
+                  </a:ext>
+                </a:extLst>
+              </p:cNvPr>
+              <p:cNvSpPr txBox="1"/>
+              <p:nvPr/>
+            </p:nvSpPr>
+            <p:spPr>
+              <a:xfrm>
+                <a:off x="8409062" y="5257039"/>
+                <a:ext cx="3196127" cy="954107"/>
+              </a:xfrm>
+              <a:prstGeom prst="rect">
+                <a:avLst/>
+              </a:prstGeom>
+              <a:noFill/>
+            </p:spPr>
+            <p:txBody>
+              <a:bodyPr wrap="square" rtlCol="0">
+                <a:spAutoFit/>
+              </a:bodyPr>
+              <a:lstStyle/>
+              <a:p>
+                <a:r>
+                  <a:rPr lang="en-GB" sz="1400" dirty="0"/>
+                  <a:t>We know X (clean Signal) and n (Noise signal) and so we can choose values of a to be our desired SNR and calculate the corresponding </a:t>
+                </a:r>
+                <a14:m>
+                  <m:oMath xmlns:m="http://schemas.openxmlformats.org/officeDocument/2006/math">
+                    <m:r>
+                      <a:rPr lang="en-GB" sz="1400" b="0" i="1" smtClean="0">
+                        <a:latin typeface="Cambria Math" panose="02040503050406030204" pitchFamily="18" charset="0"/>
+                        <a:ea typeface="Cambria Math" panose="02040503050406030204" pitchFamily="18" charset="0"/>
+                      </a:rPr>
+                      <m:t>𝛾</m:t>
+                    </m:r>
+                  </m:oMath>
+                </a14:m>
+                <a:endParaRPr lang="en-GB" sz="1400" dirty="0"/>
+              </a:p>
+            </p:txBody>
+          </p:sp>
+        </mc:Choice>
+        <mc:Fallback>
+          <p:sp>
+            <p:nvSpPr>
+              <p:cNvPr id="29" name="TextBox 28">
+                <a:extLst>
+                  <a:ext uri="{FF2B5EF4-FFF2-40B4-BE49-F238E27FC236}">
+                    <a16:creationId xmlns:a16="http://schemas.microsoft.com/office/drawing/2014/main" id="{63D86AF6-A986-04FA-A60D-5668EAFAEAE6}"/>
+                  </a:ext>
+                </a:extLst>
+              </p:cNvPr>
+              <p:cNvSpPr txBox="1">
+                <a:spLocks noRot="1" noChangeAspect="1" noMove="1" noResize="1" noEditPoints="1" noAdjustHandles="1" noChangeArrowheads="1" noChangeShapeType="1" noTextEdit="1"/>
+              </p:cNvSpPr>
+              <p:nvPr/>
+            </p:nvSpPr>
+            <p:spPr>
+              <a:xfrm>
+                <a:off x="8409062" y="5257039"/>
+                <a:ext cx="3196127" cy="954107"/>
+              </a:xfrm>
+              <a:prstGeom prst="rect">
+                <a:avLst/>
+              </a:prstGeom>
+              <a:blipFill>
+                <a:blip r:embed="rId4"/>
+                <a:stretch>
+                  <a:fillRect l="-571" t="-637" b="-5732"/>
+                </a:stretch>
+              </a:blipFill>
+            </p:spPr>
+            <p:txBody>
+              <a:bodyPr/>
+              <a:lstStyle/>
+              <a:p>
+                <a:r>
+                  <a:rPr lang="en-GB">
+                    <a:noFill/>
+                  </a:rPr>
+                  <a:t> </a:t>
+                </a:r>
+              </a:p>
+            </p:txBody>
+          </p:sp>
+        </mc:Fallback>
+      </mc:AlternateContent>
+    </p:spTree>
+    <p:extLst>
+      <p:ext uri="{BB962C8B-B14F-4D97-AF65-F5344CB8AC3E}">
+        <p14:creationId xmlns:p14="http://schemas.microsoft.com/office/powerpoint/2010/main" val="1680507189"/>
+      </p:ext>
+    </p:extLst>
+  </p:cSld>
+  <p:clrMapOvr>
+    <a:masterClrMapping/>
+  </p:clrMapOvr>
+</p:sld>
+</file>
+
+<file path=ppt/slides/slide9.xml><?xml version="1.0" encoding="utf-8"?>
+<p:sld xmlns:a="http://schemas.openxmlformats.org/drawingml/2006/main" xmlns:r="http://schemas.openxmlformats.org/officeDocument/2006/relationships" xmlns:p="http://schemas.openxmlformats.org/presentationml/2006/main">
+  <p:cSld>
+    <p:spTree>
+      <p:nvGrpSpPr>
+        <p:cNvPr id="1" name=""/>
+        <p:cNvGrpSpPr/>
+        <p:nvPr/>
+      </p:nvGrpSpPr>
+      <p:grpSpPr>
+        <a:xfrm>
+          <a:off x="0" y="0"/>
+          <a:ext cx="0" cy="0"/>
+          <a:chOff x="0" y="0"/>
+          <a:chExt cx="0" cy="0"/>
+        </a:xfrm>
+      </p:grpSpPr>
+      <p:sp>
+        <p:nvSpPr>
+          <p:cNvPr id="2" name="Title 1">
+            <a:extLst>
+              <a:ext uri="{FF2B5EF4-FFF2-40B4-BE49-F238E27FC236}">
+                <a16:creationId xmlns:a16="http://schemas.microsoft.com/office/drawing/2014/main" id="{DAEF5E32-B463-3FD3-86F2-6C0541933CDD}"/>
+              </a:ext>
+            </a:extLst>
+          </p:cNvPr>
+          <p:cNvSpPr>
+            <a:spLocks noGrp="1"/>
+          </p:cNvSpPr>
+          <p:nvPr>
+            <p:ph type="title"/>
+          </p:nvPr>
+        </p:nvSpPr>
+        <p:spPr/>
+        <p:txBody>
+          <a:bodyPr/>
+          <a:lstStyle/>
+          <a:p>
+            <a:r>
+              <a:rPr lang="en-GB" dirty="0"/>
+              <a:t>Methodology (Model)</a:t>
+            </a:r>
+          </a:p>
+        </p:txBody>
+      </p:sp>
+      <p:sp>
+        <p:nvSpPr>
+          <p:cNvPr id="3" name="Content Placeholder 2">
+            <a:extLst>
+              <a:ext uri="{FF2B5EF4-FFF2-40B4-BE49-F238E27FC236}">
+                <a16:creationId xmlns:a16="http://schemas.microsoft.com/office/drawing/2014/main" id="{CBDD97A4-08A8-D3E6-CAC7-C4885B8664E7}"/>
+              </a:ext>
+            </a:extLst>
+          </p:cNvPr>
+          <p:cNvSpPr>
+            <a:spLocks noGrp="1"/>
+          </p:cNvSpPr>
+          <p:nvPr>
+            <p:ph idx="1"/>
+          </p:nvPr>
+        </p:nvSpPr>
+        <p:spPr/>
+        <p:txBody>
+          <a:bodyPr>
+            <a:normAutofit/>
+          </a:bodyPr>
+          <a:lstStyle/>
+          <a:p>
+            <a:r>
+              <a:rPr lang="en-GB" sz="2400" dirty="0"/>
+              <a:t>Four-layer convolutional network with batch normalisation and </a:t>
+            </a:r>
+            <a:r>
+              <a:rPr lang="en-GB" sz="2400" dirty="0" err="1"/>
+              <a:t>ReLU</a:t>
+            </a:r>
+            <a:r>
+              <a:rPr lang="en-GB" sz="2400" dirty="0"/>
+              <a:t>, followed by a connected layer.</a:t>
+            </a:r>
+          </a:p>
+        </p:txBody>
+      </p:sp>
+      <p:pic>
+        <p:nvPicPr>
+          <p:cNvPr id="5" name="Picture 4">
+            <a:extLst>
+              <a:ext uri="{FF2B5EF4-FFF2-40B4-BE49-F238E27FC236}">
+                <a16:creationId xmlns:a16="http://schemas.microsoft.com/office/drawing/2014/main" id="{DCA152BF-1610-C623-B2B9-D760F9274BE4}"/>
+              </a:ext>
+            </a:extLst>
+          </p:cNvPr>
+          <p:cNvPicPr>
+            <a:picLocks noChangeAspect="1"/>
+          </p:cNvPicPr>
+          <p:nvPr/>
+        </p:nvPicPr>
+        <p:blipFill>
+          <a:blip r:embed="rId2"/>
+          <a:stretch>
+            <a:fillRect/>
+          </a:stretch>
+        </p:blipFill>
+        <p:spPr>
+          <a:xfrm>
+            <a:off x="2998327" y="2732066"/>
+            <a:ext cx="5067300" cy="2247900"/>
+          </a:xfrm>
+          <a:prstGeom prst="rect">
+            <a:avLst/>
+          </a:prstGeom>
+        </p:spPr>
+      </p:pic>
+      <p:cxnSp>
+        <p:nvCxnSpPr>
+          <p:cNvPr id="7" name="Straight Arrow Connector 6">
+            <a:extLst>
+              <a:ext uri="{FF2B5EF4-FFF2-40B4-BE49-F238E27FC236}">
+                <a16:creationId xmlns:a16="http://schemas.microsoft.com/office/drawing/2014/main" id="{E4870C77-39EE-581D-05D5-EF902D809B78}"/>
+              </a:ext>
+            </a:extLst>
+          </p:cNvPr>
+          <p:cNvCxnSpPr/>
+          <p:nvPr/>
+        </p:nvCxnSpPr>
+        <p:spPr>
+          <a:xfrm flipH="1">
+            <a:off x="6879364" y="1495514"/>
+            <a:ext cx="427290" cy="330111"/>
+          </a:xfrm>
+          <a:prstGeom prst="straightConnector1">
+            <a:avLst/>
+          </a:prstGeom>
+          <a:ln>
+            <a:tailEnd type="triangle"/>
+          </a:ln>
+        </p:spPr>
+        <p:style>
+          <a:lnRef idx="1">
+            <a:schemeClr val="dk1"/>
+          </a:lnRef>
+          <a:fillRef idx="0">
+            <a:schemeClr val="dk1"/>
+          </a:fillRef>
+          <a:effectRef idx="0">
+            <a:schemeClr val="dk1"/>
+          </a:effectRef>
+          <a:fontRef idx="minor">
+            <a:schemeClr val="tx1"/>
+          </a:fontRef>
+        </p:style>
+      </p:cxnSp>
+      <p:sp>
+        <p:nvSpPr>
+          <p:cNvPr id="8" name="TextBox 7">
+            <a:extLst>
+              <a:ext uri="{FF2B5EF4-FFF2-40B4-BE49-F238E27FC236}">
+                <a16:creationId xmlns:a16="http://schemas.microsoft.com/office/drawing/2014/main" id="{B6B6F2FC-01B7-A17A-4296-4A2E159C4A02}"/>
+              </a:ext>
+            </a:extLst>
+          </p:cNvPr>
+          <p:cNvSpPr txBox="1"/>
+          <p:nvPr/>
+        </p:nvSpPr>
+        <p:spPr>
+          <a:xfrm>
+            <a:off x="7306654" y="1342658"/>
+            <a:ext cx="1760434" cy="276999"/>
+          </a:xfrm>
+          <a:prstGeom prst="rect">
+            <a:avLst/>
+          </a:prstGeom>
+          <a:noFill/>
+        </p:spPr>
+        <p:txBody>
+          <a:bodyPr wrap="square" rtlCol="0">
+            <a:spAutoFit/>
+          </a:bodyPr>
+          <a:lstStyle/>
+          <a:p>
+            <a:r>
+              <a:rPr lang="en-GB" sz="1200" dirty="0"/>
+              <a:t>Speeds up training speed</a:t>
+            </a:r>
+          </a:p>
+        </p:txBody>
+      </p:sp>
+    </p:spTree>
+    <p:extLst>
+      <p:ext uri="{BB962C8B-B14F-4D97-AF65-F5344CB8AC3E}">
+        <p14:creationId xmlns:p14="http://schemas.microsoft.com/office/powerpoint/2010/main" val="3775132431"/>
       </p:ext>
     </p:extLst>
   </p:cSld>

--- a/Electrode Motion Denoising/reports/DeepLearningElectrodeMotionRemoval.pptx
+++ b/Electrode Motion Denoising/reports/DeepLearningElectrodeMotionRemoval.pptx
@@ -14,6 +14,10 @@
     <p:sldId id="262" r:id="rId8"/>
     <p:sldId id="263" r:id="rId9"/>
     <p:sldId id="264" r:id="rId10"/>
+    <p:sldId id="265" r:id="rId11"/>
+    <p:sldId id="266" r:id="rId12"/>
+    <p:sldId id="267" r:id="rId13"/>
+    <p:sldId id="268" r:id="rId14"/>
   </p:sldIdLst>
   <p:sldSz cx="12192000" cy="6858000"/>
   <p:notesSz cx="6858000" cy="9144000"/>
@@ -3422,6 +3426,1139 @@
     <p:extLst>
       <p:ext uri="{BB962C8B-B14F-4D97-AF65-F5344CB8AC3E}">
         <p14:creationId xmlns:p14="http://schemas.microsoft.com/office/powerpoint/2010/main" val="3724700628"/>
+      </p:ext>
+    </p:extLst>
+  </p:cSld>
+  <p:clrMapOvr>
+    <a:masterClrMapping/>
+  </p:clrMapOvr>
+</p:sld>
+</file>
+
+<file path=ppt/slides/slide10.xml><?xml version="1.0" encoding="utf-8"?>
+<p:sld xmlns:a="http://schemas.openxmlformats.org/drawingml/2006/main" xmlns:r="http://schemas.openxmlformats.org/officeDocument/2006/relationships" xmlns:p="http://schemas.openxmlformats.org/presentationml/2006/main">
+  <p:cSld>
+    <p:spTree>
+      <p:nvGrpSpPr>
+        <p:cNvPr id="1" name=""/>
+        <p:cNvGrpSpPr/>
+        <p:nvPr/>
+      </p:nvGrpSpPr>
+      <p:grpSpPr>
+        <a:xfrm>
+          <a:off x="0" y="0"/>
+          <a:ext cx="0" cy="0"/>
+          <a:chOff x="0" y="0"/>
+          <a:chExt cx="0" cy="0"/>
+        </a:xfrm>
+      </p:grpSpPr>
+      <p:sp>
+        <p:nvSpPr>
+          <p:cNvPr id="2" name="Title 1">
+            <a:extLst>
+              <a:ext uri="{FF2B5EF4-FFF2-40B4-BE49-F238E27FC236}">
+                <a16:creationId xmlns:a16="http://schemas.microsoft.com/office/drawing/2014/main" id="{F0EF980E-433D-E8E7-AC41-4635B79F26CB}"/>
+              </a:ext>
+            </a:extLst>
+          </p:cNvPr>
+          <p:cNvSpPr>
+            <a:spLocks noGrp="1"/>
+          </p:cNvSpPr>
+          <p:nvPr>
+            <p:ph type="title"/>
+          </p:nvPr>
+        </p:nvSpPr>
+        <p:spPr/>
+        <p:txBody>
+          <a:bodyPr/>
+          <a:lstStyle/>
+          <a:p>
+            <a:r>
+              <a:rPr lang="en-GB" dirty="0"/>
+              <a:t>Methodology (Loss Function)</a:t>
+            </a:r>
+          </a:p>
+        </p:txBody>
+      </p:sp>
+      <mc:AlternateContent xmlns:mc="http://schemas.openxmlformats.org/markup-compatibility/2006">
+        <mc:Choice xmlns:a14="http://schemas.microsoft.com/office/drawing/2010/main" Requires="a14">
+          <p:sp>
+            <p:nvSpPr>
+              <p:cNvPr id="3" name="Content Placeholder 2">
+                <a:extLst>
+                  <a:ext uri="{FF2B5EF4-FFF2-40B4-BE49-F238E27FC236}">
+                    <a16:creationId xmlns:a16="http://schemas.microsoft.com/office/drawing/2014/main" id="{7BC135FE-E3B7-B4D0-EF15-A1C088EB157E}"/>
+                  </a:ext>
+                </a:extLst>
+              </p:cNvPr>
+              <p:cNvSpPr>
+                <a:spLocks noGrp="1"/>
+              </p:cNvSpPr>
+              <p:nvPr>
+                <p:ph idx="1"/>
+              </p:nvPr>
+            </p:nvSpPr>
+            <p:spPr/>
+            <p:txBody>
+              <a:bodyPr/>
+              <a:lstStyle/>
+              <a:p>
+                <a:r>
+                  <a:rPr lang="en-GB" dirty="0"/>
+                  <a:t>An issue with MSE as a loss function for ECG’s is that it is global, meaning the iso-electric region is also factored into the equation.</a:t>
+                </a:r>
+              </a:p>
+              <a:p>
+                <a:r>
+                  <a:rPr lang="en-GB" dirty="0"/>
+                  <a:t>Researchers separated the MSE into 2 components:</a:t>
+                </a:r>
+              </a:p>
+              <a:p>
+                <a:pPr marL="914400" lvl="1" indent="-457200">
+                  <a:buFont typeface="+mj-lt"/>
+                  <a:buAutoNum type="arabicPeriod"/>
+                </a:pPr>
+                <a:r>
+                  <a:rPr lang="en-GB" dirty="0"/>
+                  <a:t>Standard MSE</a:t>
+                </a:r>
+              </a:p>
+              <a:p>
+                <a:pPr marL="914400" lvl="1" indent="-457200">
+                  <a:buFont typeface="+mj-lt"/>
+                  <a:buAutoNum type="arabicPeriod"/>
+                </a:pPr>
+                <a:r>
+                  <a:rPr lang="en-GB" dirty="0"/>
+                  <a:t>MSE pertaining to the regions where the QRS exists.</a:t>
+                </a:r>
+              </a:p>
+              <a:p>
+                <a:r>
+                  <a:rPr lang="en-GB" dirty="0"/>
+                  <a:t>A waiting factor is applied to the 2</a:t>
+                </a:r>
+                <a:r>
+                  <a:rPr lang="en-GB" baseline="30000" dirty="0"/>
+                  <a:t>nd</a:t>
+                </a:r>
+                <a:r>
+                  <a:rPr lang="en-GB" dirty="0"/>
+                  <a:t> option which allows for more emphasis to be applied to the QRS.</a:t>
+                </a:r>
+              </a:p>
+              <a:p>
+                <a:pPr marL="0" indent="0">
+                  <a:buNone/>
+                </a:pPr>
+                <a14:m>
+                  <m:oMathPara xmlns:m="http://schemas.openxmlformats.org/officeDocument/2006/math">
+                    <m:oMathParaPr>
+                      <m:jc m:val="centerGroup"/>
+                    </m:oMathParaPr>
+                    <m:oMath xmlns:m="http://schemas.openxmlformats.org/officeDocument/2006/math">
+                      <m:r>
+                        <a:rPr lang="en-GB" b="0" i="1" smtClean="0">
+                          <a:latin typeface="Cambria Math" panose="02040503050406030204" pitchFamily="18" charset="0"/>
+                        </a:rPr>
+                        <m:t>𝐿</m:t>
+                      </m:r>
+                      <m:r>
+                        <a:rPr lang="en-GB" b="0" i="1" smtClean="0">
+                          <a:latin typeface="Cambria Math" panose="02040503050406030204" pitchFamily="18" charset="0"/>
+                        </a:rPr>
+                        <m:t>=</m:t>
+                      </m:r>
+                      <m:r>
+                        <a:rPr lang="en-GB" b="0" i="1" smtClean="0">
+                          <a:latin typeface="Cambria Math" panose="02040503050406030204" pitchFamily="18" charset="0"/>
+                        </a:rPr>
+                        <m:t>𝑀𝑆𝐸</m:t>
+                      </m:r>
+                      <m:d>
+                        <m:dPr>
+                          <m:ctrlPr>
+                            <a:rPr lang="en-GB" b="0" i="1" smtClean="0">
+                              <a:latin typeface="Cambria Math" panose="02040503050406030204" pitchFamily="18" charset="0"/>
+                            </a:rPr>
+                          </m:ctrlPr>
+                        </m:dPr>
+                        <m:e>
+                          <m:sSub>
+                            <m:sSubPr>
+                              <m:ctrlPr>
+                                <a:rPr lang="en-GB" b="0" i="1" smtClean="0">
+                                  <a:latin typeface="Cambria Math" panose="02040503050406030204" pitchFamily="18" charset="0"/>
+                                </a:rPr>
+                              </m:ctrlPr>
+                            </m:sSubPr>
+                            <m:e>
+                              <m:r>
+                                <a:rPr lang="en-GB" b="0" i="1" smtClean="0">
+                                  <a:latin typeface="Cambria Math" panose="02040503050406030204" pitchFamily="18" charset="0"/>
+                                </a:rPr>
+                                <m:t>𝑋</m:t>
+                              </m:r>
+                            </m:e>
+                            <m:sub>
+                              <m:r>
+                                <a:rPr lang="en-GB" b="0" i="1" smtClean="0">
+                                  <a:latin typeface="Cambria Math" panose="02040503050406030204" pitchFamily="18" charset="0"/>
+                                </a:rPr>
+                                <m:t>𝑛</m:t>
+                              </m:r>
+                            </m:sub>
+                          </m:sSub>
+                          <m:r>
+                            <a:rPr lang="en-GB" b="0" i="1" smtClean="0">
+                              <a:latin typeface="Cambria Math" panose="02040503050406030204" pitchFamily="18" charset="0"/>
+                            </a:rPr>
+                            <m:t>, </m:t>
+                          </m:r>
+                          <m:r>
+                            <a:rPr lang="en-GB" b="0" i="1" smtClean="0">
+                              <a:latin typeface="Cambria Math" panose="02040503050406030204" pitchFamily="18" charset="0"/>
+                            </a:rPr>
+                            <m:t>𝑋</m:t>
+                          </m:r>
+                        </m:e>
+                      </m:d>
+                      <m:r>
+                        <a:rPr lang="en-GB" b="0" i="1" smtClean="0">
+                          <a:latin typeface="Cambria Math" panose="02040503050406030204" pitchFamily="18" charset="0"/>
+                        </a:rPr>
+                        <m:t>+ </m:t>
+                      </m:r>
+                      <m:r>
+                        <a:rPr lang="en-GB" b="0" i="1" smtClean="0">
+                          <a:latin typeface="Cambria Math" panose="02040503050406030204" pitchFamily="18" charset="0"/>
+                          <a:ea typeface="Cambria Math" panose="02040503050406030204" pitchFamily="18" charset="0"/>
+                        </a:rPr>
+                        <m:t>𝛼</m:t>
+                      </m:r>
+                      <m:r>
+                        <a:rPr lang="en-GB" b="0" i="1" smtClean="0">
+                          <a:latin typeface="Cambria Math" panose="02040503050406030204" pitchFamily="18" charset="0"/>
+                          <a:ea typeface="Cambria Math" panose="02040503050406030204" pitchFamily="18" charset="0"/>
+                        </a:rPr>
+                        <m:t> ∗ </m:t>
+                      </m:r>
+                      <m:nary>
+                        <m:naryPr>
+                          <m:chr m:val="∑"/>
+                          <m:ctrlPr>
+                            <a:rPr lang="en-GB" b="0" i="1" smtClean="0">
+                              <a:latin typeface="Cambria Math" panose="02040503050406030204" pitchFamily="18" charset="0"/>
+                              <a:ea typeface="Cambria Math" panose="02040503050406030204" pitchFamily="18" charset="0"/>
+                            </a:rPr>
+                          </m:ctrlPr>
+                        </m:naryPr>
+                        <m:sub>
+                          <m:r>
+                            <m:rPr>
+                              <m:brk m:alnAt="23"/>
+                            </m:rPr>
+                            <a:rPr lang="en-GB" b="0" i="1" smtClean="0">
+                              <a:latin typeface="Cambria Math" panose="02040503050406030204" pitchFamily="18" charset="0"/>
+                              <a:ea typeface="Cambria Math" panose="02040503050406030204" pitchFamily="18" charset="0"/>
+                            </a:rPr>
+                            <m:t>𝑖</m:t>
+                          </m:r>
+                          <m:r>
+                            <a:rPr lang="en-GB" b="0" i="1" smtClean="0">
+                              <a:latin typeface="Cambria Math" panose="02040503050406030204" pitchFamily="18" charset="0"/>
+                              <a:ea typeface="Cambria Math" panose="02040503050406030204" pitchFamily="18" charset="0"/>
+                            </a:rPr>
+                            <m:t>=1</m:t>
+                          </m:r>
+                        </m:sub>
+                        <m:sup>
+                          <m:r>
+                            <a:rPr lang="en-GB" b="0" i="1" smtClean="0">
+                              <a:latin typeface="Cambria Math" panose="02040503050406030204" pitchFamily="18" charset="0"/>
+                              <a:ea typeface="Cambria Math" panose="02040503050406030204" pitchFamily="18" charset="0"/>
+                            </a:rPr>
+                            <m:t>𝑗</m:t>
+                          </m:r>
+                        </m:sup>
+                        <m:e>
+                          <m:r>
+                            <a:rPr lang="en-GB" b="0" i="1" smtClean="0">
+                              <a:latin typeface="Cambria Math" panose="02040503050406030204" pitchFamily="18" charset="0"/>
+                              <a:ea typeface="Cambria Math" panose="02040503050406030204" pitchFamily="18" charset="0"/>
+                            </a:rPr>
+                            <m:t>𝑀𝑆𝐸</m:t>
+                          </m:r>
+                          <m:r>
+                            <a:rPr lang="en-GB" b="0" i="1" smtClean="0">
+                              <a:latin typeface="Cambria Math" panose="02040503050406030204" pitchFamily="18" charset="0"/>
+                              <a:ea typeface="Cambria Math" panose="02040503050406030204" pitchFamily="18" charset="0"/>
+                            </a:rPr>
+                            <m:t>(</m:t>
+                          </m:r>
+                          <m:sSub>
+                            <m:sSubPr>
+                              <m:ctrlPr>
+                                <a:rPr lang="en-GB" b="0" i="1" smtClean="0">
+                                  <a:latin typeface="Cambria Math" panose="02040503050406030204" pitchFamily="18" charset="0"/>
+                                  <a:ea typeface="Cambria Math" panose="02040503050406030204" pitchFamily="18" charset="0"/>
+                                </a:rPr>
+                              </m:ctrlPr>
+                            </m:sSubPr>
+                            <m:e>
+                              <m:r>
+                                <a:rPr lang="en-GB" b="0" i="1" smtClean="0">
+                                  <a:latin typeface="Cambria Math" panose="02040503050406030204" pitchFamily="18" charset="0"/>
+                                  <a:ea typeface="Cambria Math" panose="02040503050406030204" pitchFamily="18" charset="0"/>
+                                </a:rPr>
+                                <m:t>𝑅𝑋</m:t>
+                              </m:r>
+                            </m:e>
+                            <m:sub>
+                              <m:r>
+                                <a:rPr lang="en-GB" b="0" i="1" smtClean="0">
+                                  <a:latin typeface="Cambria Math" panose="02040503050406030204" pitchFamily="18" charset="0"/>
+                                  <a:ea typeface="Cambria Math" panose="02040503050406030204" pitchFamily="18" charset="0"/>
+                                </a:rPr>
+                                <m:t>𝑛</m:t>
+                              </m:r>
+                            </m:sub>
+                          </m:sSub>
+                          <m:r>
+                            <a:rPr lang="en-GB" b="0" i="1" smtClean="0">
+                              <a:latin typeface="Cambria Math" panose="02040503050406030204" pitchFamily="18" charset="0"/>
+                              <a:ea typeface="Cambria Math" panose="02040503050406030204" pitchFamily="18" charset="0"/>
+                            </a:rPr>
+                            <m:t>, </m:t>
+                          </m:r>
+                          <m:sSub>
+                            <m:sSubPr>
+                              <m:ctrlPr>
+                                <a:rPr lang="en-GB" b="0" i="1" smtClean="0">
+                                  <a:latin typeface="Cambria Math" panose="02040503050406030204" pitchFamily="18" charset="0"/>
+                                  <a:ea typeface="Cambria Math" panose="02040503050406030204" pitchFamily="18" charset="0"/>
+                                </a:rPr>
+                              </m:ctrlPr>
+                            </m:sSubPr>
+                            <m:e>
+                              <m:r>
+                                <a:rPr lang="en-GB" b="0" i="1" smtClean="0">
+                                  <a:latin typeface="Cambria Math" panose="02040503050406030204" pitchFamily="18" charset="0"/>
+                                  <a:ea typeface="Cambria Math" panose="02040503050406030204" pitchFamily="18" charset="0"/>
+                                </a:rPr>
+                                <m:t>𝑅𝑋</m:t>
+                              </m:r>
+                            </m:e>
+                            <m:sub>
+                              <m:r>
+                                <a:rPr lang="en-GB" b="0" i="1" smtClean="0">
+                                  <a:latin typeface="Cambria Math" panose="02040503050406030204" pitchFamily="18" charset="0"/>
+                                  <a:ea typeface="Cambria Math" panose="02040503050406030204" pitchFamily="18" charset="0"/>
+                                </a:rPr>
+                                <m:t>𝑖</m:t>
+                              </m:r>
+                            </m:sub>
+                          </m:sSub>
+                          <m:r>
+                            <a:rPr lang="en-GB" b="0" i="1" smtClean="0">
+                              <a:latin typeface="Cambria Math" panose="02040503050406030204" pitchFamily="18" charset="0"/>
+                              <a:ea typeface="Cambria Math" panose="02040503050406030204" pitchFamily="18" charset="0"/>
+                            </a:rPr>
+                            <m:t>)</m:t>
+                          </m:r>
+                        </m:e>
+                      </m:nary>
+                    </m:oMath>
+                  </m:oMathPara>
+                </a14:m>
+                <a:endParaRPr lang="en-GB" dirty="0"/>
+              </a:p>
+              <a:p>
+                <a:endParaRPr lang="en-GB" dirty="0"/>
+              </a:p>
+            </p:txBody>
+          </p:sp>
+        </mc:Choice>
+        <mc:Fallback>
+          <p:sp>
+            <p:nvSpPr>
+              <p:cNvPr id="3" name="Content Placeholder 2">
+                <a:extLst>
+                  <a:ext uri="{FF2B5EF4-FFF2-40B4-BE49-F238E27FC236}">
+                    <a16:creationId xmlns:a16="http://schemas.microsoft.com/office/drawing/2014/main" id="{7BC135FE-E3B7-B4D0-EF15-A1C088EB157E}"/>
+                  </a:ext>
+                </a:extLst>
+              </p:cNvPr>
+              <p:cNvSpPr>
+                <a:spLocks noGrp="1" noRot="1" noChangeAspect="1" noMove="1" noResize="1" noEditPoints="1" noAdjustHandles="1" noChangeArrowheads="1" noChangeShapeType="1" noTextEdit="1"/>
+              </p:cNvSpPr>
+              <p:nvPr>
+                <p:ph idx="1"/>
+              </p:nvPr>
+            </p:nvSpPr>
+            <p:spPr>
+              <a:blipFill>
+                <a:blip r:embed="rId2"/>
+                <a:stretch>
+                  <a:fillRect l="-1043" t="-2241"/>
+                </a:stretch>
+              </a:blipFill>
+            </p:spPr>
+            <p:txBody>
+              <a:bodyPr/>
+              <a:lstStyle/>
+              <a:p>
+                <a:r>
+                  <a:rPr lang="en-GB">
+                    <a:noFill/>
+                  </a:rPr>
+                  <a:t> </a:t>
+                </a:r>
+              </a:p>
+            </p:txBody>
+          </p:sp>
+        </mc:Fallback>
+      </mc:AlternateContent>
+      <p:sp>
+        <p:nvSpPr>
+          <p:cNvPr id="4" name="Oval 3">
+            <a:extLst>
+              <a:ext uri="{FF2B5EF4-FFF2-40B4-BE49-F238E27FC236}">
+                <a16:creationId xmlns:a16="http://schemas.microsoft.com/office/drawing/2014/main" id="{B1C0F002-E1F5-2BE3-4E97-28DF08EFFDEB}"/>
+              </a:ext>
+            </a:extLst>
+          </p:cNvPr>
+          <p:cNvSpPr/>
+          <p:nvPr/>
+        </p:nvSpPr>
+        <p:spPr>
+          <a:xfrm>
+            <a:off x="5682953" y="4625070"/>
+            <a:ext cx="3896883" cy="1551893"/>
+          </a:xfrm>
+          <a:prstGeom prst="ellipse">
+            <a:avLst/>
+          </a:prstGeom>
+          <a:noFill/>
+          <a:ln w="38100">
+            <a:solidFill>
+              <a:schemeClr val="accent6"/>
+            </a:solidFill>
+          </a:ln>
+        </p:spPr>
+        <p:style>
+          <a:lnRef idx="2">
+            <a:schemeClr val="accent1">
+              <a:shade val="15000"/>
+            </a:schemeClr>
+          </a:lnRef>
+          <a:fillRef idx="1">
+            <a:schemeClr val="accent1"/>
+          </a:fillRef>
+          <a:effectRef idx="0">
+            <a:schemeClr val="accent1"/>
+          </a:effectRef>
+          <a:fontRef idx="minor">
+            <a:schemeClr val="lt1"/>
+          </a:fontRef>
+        </p:style>
+        <p:txBody>
+          <a:bodyPr rtlCol="0" anchor="ctr"/>
+          <a:lstStyle/>
+          <a:p>
+            <a:pPr algn="ctr"/>
+            <a:endParaRPr lang="en-GB" dirty="0"/>
+          </a:p>
+        </p:txBody>
+      </p:sp>
+      <p:cxnSp>
+        <p:nvCxnSpPr>
+          <p:cNvPr id="6" name="Straight Arrow Connector 5">
+            <a:extLst>
+              <a:ext uri="{FF2B5EF4-FFF2-40B4-BE49-F238E27FC236}">
+                <a16:creationId xmlns:a16="http://schemas.microsoft.com/office/drawing/2014/main" id="{477CD8AB-98D4-FFF6-71B9-8232D388FC91}"/>
+              </a:ext>
+            </a:extLst>
+          </p:cNvPr>
+          <p:cNvCxnSpPr/>
+          <p:nvPr/>
+        </p:nvCxnSpPr>
+        <p:spPr>
+          <a:xfrm flipH="1">
+            <a:off x="9665293" y="5221480"/>
+            <a:ext cx="606752" cy="85458"/>
+          </a:xfrm>
+          <a:prstGeom prst="straightConnector1">
+            <a:avLst/>
+          </a:prstGeom>
+          <a:ln>
+            <a:tailEnd type="triangle"/>
+          </a:ln>
+        </p:spPr>
+        <p:style>
+          <a:lnRef idx="1">
+            <a:schemeClr val="dk1"/>
+          </a:lnRef>
+          <a:fillRef idx="0">
+            <a:schemeClr val="dk1"/>
+          </a:fillRef>
+          <a:effectRef idx="0">
+            <a:schemeClr val="dk1"/>
+          </a:effectRef>
+          <a:fontRef idx="minor">
+            <a:schemeClr val="tx1"/>
+          </a:fontRef>
+        </p:style>
+      </p:cxnSp>
+      <p:sp>
+        <p:nvSpPr>
+          <p:cNvPr id="7" name="TextBox 6">
+            <a:extLst>
+              <a:ext uri="{FF2B5EF4-FFF2-40B4-BE49-F238E27FC236}">
+                <a16:creationId xmlns:a16="http://schemas.microsoft.com/office/drawing/2014/main" id="{59675245-73A2-78F7-4670-5D48EB7B20A4}"/>
+              </a:ext>
+            </a:extLst>
+          </p:cNvPr>
+          <p:cNvSpPr txBox="1"/>
+          <p:nvPr/>
+        </p:nvSpPr>
+        <p:spPr>
+          <a:xfrm>
+            <a:off x="10118221" y="4890058"/>
+            <a:ext cx="1580972" cy="923330"/>
+          </a:xfrm>
+          <a:prstGeom prst="rect">
+            <a:avLst/>
+          </a:prstGeom>
+          <a:noFill/>
+        </p:spPr>
+        <p:txBody>
+          <a:bodyPr wrap="square" rtlCol="0">
+            <a:spAutoFit/>
+          </a:bodyPr>
+          <a:lstStyle/>
+          <a:p>
+            <a:r>
+              <a:rPr lang="en-GB" dirty="0"/>
+              <a:t>α is set to control the weight of QRS </a:t>
+            </a:r>
+          </a:p>
+        </p:txBody>
+      </p:sp>
+    </p:spTree>
+    <p:extLst>
+      <p:ext uri="{BB962C8B-B14F-4D97-AF65-F5344CB8AC3E}">
+        <p14:creationId xmlns:p14="http://schemas.microsoft.com/office/powerpoint/2010/main" val="1785109204"/>
+      </p:ext>
+    </p:extLst>
+  </p:cSld>
+  <p:clrMapOvr>
+    <a:masterClrMapping/>
+  </p:clrMapOvr>
+</p:sld>
+</file>
+
+<file path=ppt/slides/slide11.xml><?xml version="1.0" encoding="utf-8"?>
+<p:sld xmlns:a="http://schemas.openxmlformats.org/drawingml/2006/main" xmlns:r="http://schemas.openxmlformats.org/officeDocument/2006/relationships" xmlns:p="http://schemas.openxmlformats.org/presentationml/2006/main">
+  <p:cSld>
+    <p:spTree>
+      <p:nvGrpSpPr>
+        <p:cNvPr id="1" name=""/>
+        <p:cNvGrpSpPr/>
+        <p:nvPr/>
+      </p:nvGrpSpPr>
+      <p:grpSpPr>
+        <a:xfrm>
+          <a:off x="0" y="0"/>
+          <a:ext cx="0" cy="0"/>
+          <a:chOff x="0" y="0"/>
+          <a:chExt cx="0" cy="0"/>
+        </a:xfrm>
+      </p:grpSpPr>
+      <p:sp>
+        <p:nvSpPr>
+          <p:cNvPr id="2" name="Title 1">
+            <a:extLst>
+              <a:ext uri="{FF2B5EF4-FFF2-40B4-BE49-F238E27FC236}">
+                <a16:creationId xmlns:a16="http://schemas.microsoft.com/office/drawing/2014/main" id="{D7235D0F-1B8A-8475-B001-19178141278E}"/>
+              </a:ext>
+            </a:extLst>
+          </p:cNvPr>
+          <p:cNvSpPr>
+            <a:spLocks noGrp="1"/>
+          </p:cNvSpPr>
+          <p:nvPr>
+            <p:ph type="title"/>
+          </p:nvPr>
+        </p:nvSpPr>
+        <p:spPr/>
+        <p:txBody>
+          <a:bodyPr/>
+          <a:lstStyle/>
+          <a:p>
+            <a:r>
+              <a:rPr lang="en-GB" dirty="0"/>
+              <a:t>Methodology (Evaluation)</a:t>
+            </a:r>
+          </a:p>
+        </p:txBody>
+      </p:sp>
+      <p:sp>
+        <p:nvSpPr>
+          <p:cNvPr id="3" name="Content Placeholder 2">
+            <a:extLst>
+              <a:ext uri="{FF2B5EF4-FFF2-40B4-BE49-F238E27FC236}">
+                <a16:creationId xmlns:a16="http://schemas.microsoft.com/office/drawing/2014/main" id="{4ECDA768-A1A8-C24A-FA6D-80AF5E66A471}"/>
+              </a:ext>
+            </a:extLst>
+          </p:cNvPr>
+          <p:cNvSpPr>
+            <a:spLocks noGrp="1"/>
+          </p:cNvSpPr>
+          <p:nvPr>
+            <p:ph idx="1"/>
+          </p:nvPr>
+        </p:nvSpPr>
+        <p:spPr/>
+        <p:txBody>
+          <a:bodyPr/>
+          <a:lstStyle/>
+          <a:p>
+            <a:r>
+              <a:rPr lang="en-GB" dirty="0"/>
+              <a:t>A few different metrics are used to evaluate performance:</a:t>
+            </a:r>
+          </a:p>
+          <a:p>
+            <a:endParaRPr lang="en-GB" dirty="0"/>
+          </a:p>
+        </p:txBody>
+      </p:sp>
+      <p:graphicFrame>
+        <p:nvGraphicFramePr>
+          <p:cNvPr id="4" name="Table 3">
+            <a:extLst>
+              <a:ext uri="{FF2B5EF4-FFF2-40B4-BE49-F238E27FC236}">
+                <a16:creationId xmlns:a16="http://schemas.microsoft.com/office/drawing/2014/main" id="{5A2B531F-0A61-EC62-92A4-6F3D6BDDB576}"/>
+              </a:ext>
+            </a:extLst>
+          </p:cNvPr>
+          <p:cNvGraphicFramePr>
+            <a:graphicFrameLocks noGrp="1"/>
+          </p:cNvGraphicFramePr>
+          <p:nvPr>
+            <p:extLst>
+              <p:ext uri="{D42A27DB-BD31-4B8C-83A1-F6EECF244321}">
+                <p14:modId xmlns:p14="http://schemas.microsoft.com/office/powerpoint/2010/main" val="3465166422"/>
+              </p:ext>
+            </p:extLst>
+          </p:nvPr>
+        </p:nvGraphicFramePr>
+        <p:xfrm>
+          <a:off x="2032000" y="2369005"/>
+          <a:ext cx="8128000" cy="3032760"/>
+        </p:xfrm>
+        <a:graphic>
+          <a:graphicData uri="http://schemas.openxmlformats.org/drawingml/2006/table">
+            <a:tbl>
+              <a:tblPr firstRow="1" bandRow="1">
+                <a:tableStyleId>{5C22544A-7EE6-4342-B048-85BDC9FD1C3A}</a:tableStyleId>
+              </a:tblPr>
+              <a:tblGrid>
+                <a:gridCol w="4064000">
+                  <a:extLst>
+                    <a:ext uri="{9D8B030D-6E8A-4147-A177-3AD203B41FA5}">
+                      <a16:colId xmlns:a16="http://schemas.microsoft.com/office/drawing/2014/main" val="3493443910"/>
+                    </a:ext>
+                  </a:extLst>
+                </a:gridCol>
+                <a:gridCol w="4064000">
+                  <a:extLst>
+                    <a:ext uri="{9D8B030D-6E8A-4147-A177-3AD203B41FA5}">
+                      <a16:colId xmlns:a16="http://schemas.microsoft.com/office/drawing/2014/main" val="3250668410"/>
+                    </a:ext>
+                  </a:extLst>
+                </a:gridCol>
+              </a:tblGrid>
+              <a:tr h="370840">
+                <a:tc>
+                  <a:txBody>
+                    <a:bodyPr/>
+                    <a:lstStyle/>
+                    <a:p>
+                      <a:pPr algn="ctr"/>
+                      <a:r>
+                        <a:rPr lang="en-GB" dirty="0"/>
+                        <a:t>Performance Metric</a:t>
+                      </a:r>
+                    </a:p>
+                  </a:txBody>
+                  <a:tcPr/>
+                </a:tc>
+                <a:tc>
+                  <a:txBody>
+                    <a:bodyPr/>
+                    <a:lstStyle/>
+                    <a:p>
+                      <a:pPr algn="ctr"/>
+                      <a:r>
+                        <a:rPr lang="en-GB" dirty="0"/>
+                        <a:t>Description</a:t>
+                      </a:r>
+                    </a:p>
+                  </a:txBody>
+                  <a:tcPr/>
+                </a:tc>
+                <a:extLst>
+                  <a:ext uri="{0D108BD9-81ED-4DB2-BD59-A6C34878D82A}">
+                    <a16:rowId xmlns:a16="http://schemas.microsoft.com/office/drawing/2014/main" val="1129164435"/>
+                  </a:ext>
+                </a:extLst>
+              </a:tr>
+              <a:tr h="370840">
+                <a:tc>
+                  <a:txBody>
+                    <a:bodyPr/>
+                    <a:lstStyle/>
+                    <a:p>
+                      <a:pPr algn="ctr"/>
+                      <a:r>
+                        <a:rPr lang="en-GB" dirty="0"/>
+                        <a:t>SNR Improvement</a:t>
+                      </a:r>
+                    </a:p>
+                  </a:txBody>
+                  <a:tcPr/>
+                </a:tc>
+                <a:tc>
+                  <a:txBody>
+                    <a:bodyPr/>
+                    <a:lstStyle/>
+                    <a:p>
+                      <a:pPr algn="ctr"/>
+                      <a:r>
+                        <a:rPr lang="en-GB" dirty="0"/>
+                        <a:t>The absolute difference in the SNR before and after denoising.</a:t>
+                      </a:r>
+                    </a:p>
+                  </a:txBody>
+                  <a:tcPr/>
+                </a:tc>
+                <a:extLst>
+                  <a:ext uri="{0D108BD9-81ED-4DB2-BD59-A6C34878D82A}">
+                    <a16:rowId xmlns:a16="http://schemas.microsoft.com/office/drawing/2014/main" val="1533155018"/>
+                  </a:ext>
+                </a:extLst>
+              </a:tr>
+              <a:tr h="370840">
+                <a:tc>
+                  <a:txBody>
+                    <a:bodyPr/>
+                    <a:lstStyle/>
+                    <a:p>
+                      <a:pPr algn="ctr"/>
+                      <a:r>
+                        <a:rPr lang="en-GB" dirty="0"/>
+                        <a:t>HR Error Prediction</a:t>
+                      </a:r>
+                    </a:p>
+                  </a:txBody>
+                  <a:tcPr/>
+                </a:tc>
+                <a:tc>
+                  <a:txBody>
+                    <a:bodyPr/>
+                    <a:lstStyle/>
+                    <a:p>
+                      <a:pPr algn="ctr"/>
+                      <a:r>
+                        <a:rPr lang="en-GB" dirty="0"/>
+                        <a:t>The error in HR between the signal and ground truth.</a:t>
+                      </a:r>
+                    </a:p>
+                  </a:txBody>
+                  <a:tcPr/>
+                </a:tc>
+                <a:extLst>
+                  <a:ext uri="{0D108BD9-81ED-4DB2-BD59-A6C34878D82A}">
+                    <a16:rowId xmlns:a16="http://schemas.microsoft.com/office/drawing/2014/main" val="3553726096"/>
+                  </a:ext>
+                </a:extLst>
+              </a:tr>
+              <a:tr h="370840">
+                <a:tc>
+                  <a:txBody>
+                    <a:bodyPr/>
+                    <a:lstStyle/>
+                    <a:p>
+                      <a:pPr algn="ctr"/>
+                      <a:r>
+                        <a:rPr lang="en-GB" dirty="0"/>
+                        <a:t>IBI</a:t>
+                      </a:r>
+                    </a:p>
+                  </a:txBody>
+                  <a:tcPr/>
+                </a:tc>
+                <a:tc>
+                  <a:txBody>
+                    <a:bodyPr/>
+                    <a:lstStyle/>
+                    <a:p>
+                      <a:pPr algn="ctr"/>
+                      <a:r>
+                        <a:rPr lang="en-GB" dirty="0"/>
+                        <a:t>Essentially the R-R series.</a:t>
+                      </a:r>
+                    </a:p>
+                  </a:txBody>
+                  <a:tcPr/>
+                </a:tc>
+                <a:extLst>
+                  <a:ext uri="{0D108BD9-81ED-4DB2-BD59-A6C34878D82A}">
+                    <a16:rowId xmlns:a16="http://schemas.microsoft.com/office/drawing/2014/main" val="3228794704"/>
+                  </a:ext>
+                </a:extLst>
+              </a:tr>
+              <a:tr h="370840">
+                <a:tc>
+                  <a:txBody>
+                    <a:bodyPr/>
+                    <a:lstStyle/>
+                    <a:p>
+                      <a:pPr algn="ctr"/>
+                      <a:r>
+                        <a:rPr lang="en-GB" dirty="0"/>
+                        <a:t>HRV</a:t>
+                      </a:r>
+                    </a:p>
+                  </a:txBody>
+                  <a:tcPr/>
+                </a:tc>
+                <a:tc>
+                  <a:txBody>
+                    <a:bodyPr/>
+                    <a:lstStyle/>
+                    <a:p>
+                      <a:pPr algn="ctr"/>
+                      <a:r>
+                        <a:rPr lang="en-GB" dirty="0"/>
+                        <a:t>Heart Rate variability in the noisy signal and denoised signal.</a:t>
+                      </a:r>
+                    </a:p>
+                  </a:txBody>
+                  <a:tcPr/>
+                </a:tc>
+                <a:extLst>
+                  <a:ext uri="{0D108BD9-81ED-4DB2-BD59-A6C34878D82A}">
+                    <a16:rowId xmlns:a16="http://schemas.microsoft.com/office/drawing/2014/main" val="1198474208"/>
+                  </a:ext>
+                </a:extLst>
+              </a:tr>
+              <a:tr h="370840">
+                <a:tc>
+                  <a:txBody>
+                    <a:bodyPr/>
+                    <a:lstStyle/>
+                    <a:p>
+                      <a:pPr algn="ctr"/>
+                      <a:r>
+                        <a:rPr lang="en-GB" dirty="0"/>
+                        <a:t>Qualitative Evaluation</a:t>
+                      </a:r>
+                    </a:p>
+                  </a:txBody>
+                  <a:tcPr/>
+                </a:tc>
+                <a:tc>
+                  <a:txBody>
+                    <a:bodyPr/>
+                    <a:lstStyle/>
+                    <a:p>
+                      <a:pPr algn="ctr"/>
+                      <a:r>
+                        <a:rPr lang="en-GB" dirty="0"/>
+                        <a:t>Visual Inspection of the time series.</a:t>
+                      </a:r>
+                    </a:p>
+                  </a:txBody>
+                  <a:tcPr/>
+                </a:tc>
+                <a:extLst>
+                  <a:ext uri="{0D108BD9-81ED-4DB2-BD59-A6C34878D82A}">
+                    <a16:rowId xmlns:a16="http://schemas.microsoft.com/office/drawing/2014/main" val="1224712376"/>
+                  </a:ext>
+                </a:extLst>
+              </a:tr>
+            </a:tbl>
+          </a:graphicData>
+        </a:graphic>
+      </p:graphicFrame>
+    </p:spTree>
+    <p:extLst>
+      <p:ext uri="{BB962C8B-B14F-4D97-AF65-F5344CB8AC3E}">
+        <p14:creationId xmlns:p14="http://schemas.microsoft.com/office/powerpoint/2010/main" val="2898337137"/>
+      </p:ext>
+    </p:extLst>
+  </p:cSld>
+  <p:clrMapOvr>
+    <a:masterClrMapping/>
+  </p:clrMapOvr>
+</p:sld>
+</file>
+
+<file path=ppt/slides/slide12.xml><?xml version="1.0" encoding="utf-8"?>
+<p:sld xmlns:a="http://schemas.openxmlformats.org/drawingml/2006/main" xmlns:r="http://schemas.openxmlformats.org/officeDocument/2006/relationships" xmlns:p="http://schemas.openxmlformats.org/presentationml/2006/main">
+  <p:cSld>
+    <p:spTree>
+      <p:nvGrpSpPr>
+        <p:cNvPr id="1" name=""/>
+        <p:cNvGrpSpPr/>
+        <p:nvPr/>
+      </p:nvGrpSpPr>
+      <p:grpSpPr>
+        <a:xfrm>
+          <a:off x="0" y="0"/>
+          <a:ext cx="0" cy="0"/>
+          <a:chOff x="0" y="0"/>
+          <a:chExt cx="0" cy="0"/>
+        </a:xfrm>
+      </p:grpSpPr>
+      <p:sp>
+        <p:nvSpPr>
+          <p:cNvPr id="2" name="Title 1">
+            <a:extLst>
+              <a:ext uri="{FF2B5EF4-FFF2-40B4-BE49-F238E27FC236}">
+                <a16:creationId xmlns:a16="http://schemas.microsoft.com/office/drawing/2014/main" id="{B128D6FD-D71F-716D-7787-DABBEC6087E9}"/>
+              </a:ext>
+            </a:extLst>
+          </p:cNvPr>
+          <p:cNvSpPr>
+            <a:spLocks noGrp="1"/>
+          </p:cNvSpPr>
+          <p:nvPr>
+            <p:ph type="title"/>
+          </p:nvPr>
+        </p:nvSpPr>
+        <p:spPr/>
+        <p:txBody>
+          <a:bodyPr/>
+          <a:lstStyle/>
+          <a:p>
+            <a:r>
+              <a:rPr lang="en-GB" dirty="0"/>
+              <a:t>Results</a:t>
+            </a:r>
+          </a:p>
+        </p:txBody>
+      </p:sp>
+      <p:pic>
+        <p:nvPicPr>
+          <p:cNvPr id="5" name="Content Placeholder 4">
+            <a:extLst>
+              <a:ext uri="{FF2B5EF4-FFF2-40B4-BE49-F238E27FC236}">
+                <a16:creationId xmlns:a16="http://schemas.microsoft.com/office/drawing/2014/main" id="{75F6A828-00AA-B647-FACC-D7B137563679}"/>
+              </a:ext>
+            </a:extLst>
+          </p:cNvPr>
+          <p:cNvPicPr>
+            <a:picLocks noGrp="1" noChangeAspect="1"/>
+          </p:cNvPicPr>
+          <p:nvPr>
+            <p:ph idx="1"/>
+          </p:nvPr>
+        </p:nvPicPr>
+        <p:blipFill>
+          <a:blip r:embed="rId2"/>
+          <a:stretch>
+            <a:fillRect/>
+          </a:stretch>
+        </p:blipFill>
+        <p:spPr>
+          <a:xfrm>
+            <a:off x="838200" y="1658641"/>
+            <a:ext cx="4733925" cy="3838575"/>
+          </a:xfrm>
+        </p:spPr>
+      </p:pic>
+      <p:pic>
+        <p:nvPicPr>
+          <p:cNvPr id="7" name="Picture 6">
+            <a:extLst>
+              <a:ext uri="{FF2B5EF4-FFF2-40B4-BE49-F238E27FC236}">
+                <a16:creationId xmlns:a16="http://schemas.microsoft.com/office/drawing/2014/main" id="{E37F4292-EE00-B7CA-BCE9-F37638FD988B}"/>
+              </a:ext>
+            </a:extLst>
+          </p:cNvPr>
+          <p:cNvPicPr>
+            <a:picLocks noChangeAspect="1"/>
+          </p:cNvPicPr>
+          <p:nvPr/>
+        </p:nvPicPr>
+        <p:blipFill>
+          <a:blip r:embed="rId3"/>
+          <a:stretch>
+            <a:fillRect/>
+          </a:stretch>
+        </p:blipFill>
+        <p:spPr>
+          <a:xfrm>
+            <a:off x="838200" y="5658073"/>
+            <a:ext cx="4762500" cy="647700"/>
+          </a:xfrm>
+          <a:prstGeom prst="rect">
+            <a:avLst/>
+          </a:prstGeom>
+        </p:spPr>
+      </p:pic>
+      <p:pic>
+        <p:nvPicPr>
+          <p:cNvPr id="9" name="Picture 8">
+            <a:extLst>
+              <a:ext uri="{FF2B5EF4-FFF2-40B4-BE49-F238E27FC236}">
+                <a16:creationId xmlns:a16="http://schemas.microsoft.com/office/drawing/2014/main" id="{0F94D823-DC9D-3B0B-329B-19889C1E6A52}"/>
+              </a:ext>
+            </a:extLst>
+          </p:cNvPr>
+          <p:cNvPicPr>
+            <a:picLocks noChangeAspect="1"/>
+          </p:cNvPicPr>
+          <p:nvPr/>
+        </p:nvPicPr>
+        <p:blipFill>
+          <a:blip r:embed="rId4"/>
+          <a:stretch>
+            <a:fillRect/>
+          </a:stretch>
+        </p:blipFill>
+        <p:spPr>
+          <a:xfrm>
+            <a:off x="6619877" y="1224345"/>
+            <a:ext cx="4050395" cy="2450035"/>
+          </a:xfrm>
+          <a:prstGeom prst="rect">
+            <a:avLst/>
+          </a:prstGeom>
+        </p:spPr>
+      </p:pic>
+      <p:pic>
+        <p:nvPicPr>
+          <p:cNvPr id="11" name="Picture 10">
+            <a:extLst>
+              <a:ext uri="{FF2B5EF4-FFF2-40B4-BE49-F238E27FC236}">
+                <a16:creationId xmlns:a16="http://schemas.microsoft.com/office/drawing/2014/main" id="{332A2F2A-5983-7F46-006D-AE0FB38E892E}"/>
+              </a:ext>
+            </a:extLst>
+          </p:cNvPr>
+          <p:cNvPicPr>
+            <a:picLocks noChangeAspect="1"/>
+          </p:cNvPicPr>
+          <p:nvPr/>
+        </p:nvPicPr>
+        <p:blipFill>
+          <a:blip r:embed="rId5"/>
+          <a:stretch>
+            <a:fillRect/>
+          </a:stretch>
+        </p:blipFill>
+        <p:spPr>
+          <a:xfrm>
+            <a:off x="6499633" y="3726603"/>
+            <a:ext cx="4170639" cy="2632715"/>
+          </a:xfrm>
+          <a:prstGeom prst="rect">
+            <a:avLst/>
+          </a:prstGeom>
+        </p:spPr>
+      </p:pic>
+    </p:spTree>
+    <p:extLst>
+      <p:ext uri="{BB962C8B-B14F-4D97-AF65-F5344CB8AC3E}">
+        <p14:creationId xmlns:p14="http://schemas.microsoft.com/office/powerpoint/2010/main" val="517438979"/>
+      </p:ext>
+    </p:extLst>
+  </p:cSld>
+  <p:clrMapOvr>
+    <a:masterClrMapping/>
+  </p:clrMapOvr>
+</p:sld>
+</file>
+
+<file path=ppt/slides/slide13.xml><?xml version="1.0" encoding="utf-8"?>
+<p:sld xmlns:a="http://schemas.openxmlformats.org/drawingml/2006/main" xmlns:r="http://schemas.openxmlformats.org/officeDocument/2006/relationships" xmlns:p="http://schemas.openxmlformats.org/presentationml/2006/main">
+  <p:cSld>
+    <p:spTree>
+      <p:nvGrpSpPr>
+        <p:cNvPr id="1" name=""/>
+        <p:cNvGrpSpPr/>
+        <p:nvPr/>
+      </p:nvGrpSpPr>
+      <p:grpSpPr>
+        <a:xfrm>
+          <a:off x="0" y="0"/>
+          <a:ext cx="0" cy="0"/>
+          <a:chOff x="0" y="0"/>
+          <a:chExt cx="0" cy="0"/>
+        </a:xfrm>
+      </p:grpSpPr>
+      <p:sp>
+        <p:nvSpPr>
+          <p:cNvPr id="2" name="Title 1">
+            <a:extLst>
+              <a:ext uri="{FF2B5EF4-FFF2-40B4-BE49-F238E27FC236}">
+                <a16:creationId xmlns:a16="http://schemas.microsoft.com/office/drawing/2014/main" id="{23B9D5A9-B752-BFF7-A5E8-31A69DE4ED7E}"/>
+              </a:ext>
+            </a:extLst>
+          </p:cNvPr>
+          <p:cNvSpPr>
+            <a:spLocks noGrp="1"/>
+          </p:cNvSpPr>
+          <p:nvPr>
+            <p:ph type="title"/>
+          </p:nvPr>
+        </p:nvSpPr>
+        <p:spPr/>
+        <p:txBody>
+          <a:bodyPr/>
+          <a:lstStyle/>
+          <a:p>
+            <a:r>
+              <a:rPr lang="en-GB" dirty="0"/>
+              <a:t>Discussion</a:t>
+            </a:r>
+          </a:p>
+        </p:txBody>
+      </p:sp>
+      <p:sp>
+        <p:nvSpPr>
+          <p:cNvPr id="3" name="Content Placeholder 2">
+            <a:extLst>
+              <a:ext uri="{FF2B5EF4-FFF2-40B4-BE49-F238E27FC236}">
+                <a16:creationId xmlns:a16="http://schemas.microsoft.com/office/drawing/2014/main" id="{4AB4A57F-B3EC-86D4-4908-5173534FC2F6}"/>
+              </a:ext>
+            </a:extLst>
+          </p:cNvPr>
+          <p:cNvSpPr>
+            <a:spLocks noGrp="1"/>
+          </p:cNvSpPr>
+          <p:nvPr>
+            <p:ph idx="1"/>
+          </p:nvPr>
+        </p:nvSpPr>
+        <p:spPr/>
+        <p:txBody>
+          <a:bodyPr/>
+          <a:lstStyle/>
+          <a:p>
+            <a:endParaRPr lang="en-GB"/>
+          </a:p>
+        </p:txBody>
+      </p:sp>
+    </p:spTree>
+    <p:extLst>
+      <p:ext uri="{BB962C8B-B14F-4D97-AF65-F5344CB8AC3E}">
+        <p14:creationId xmlns:p14="http://schemas.microsoft.com/office/powerpoint/2010/main" val="2129120263"/>
       </p:ext>
     </p:extLst>
   </p:cSld>
@@ -5824,7 +6961,7 @@
         </p:blipFill>
         <p:spPr>
           <a:xfrm>
-            <a:off x="2998327" y="2732066"/>
+            <a:off x="1135344" y="2877344"/>
             <a:ext cx="5067300" cy="2247900"/>
           </a:xfrm>
           <a:prstGeom prst="rect">
@@ -5903,6 +7040,148 @@
               <a:rPr lang="en-GB" sz="1200" dirty="0"/>
               <a:t>Speeds up training speed</a:t>
             </a:r>
+          </a:p>
+        </p:txBody>
+      </p:sp>
+      <p:cxnSp>
+        <p:nvCxnSpPr>
+          <p:cNvPr id="10" name="Straight Arrow Connector 9">
+            <a:extLst>
+              <a:ext uri="{FF2B5EF4-FFF2-40B4-BE49-F238E27FC236}">
+                <a16:creationId xmlns:a16="http://schemas.microsoft.com/office/drawing/2014/main" id="{4A64650C-460A-3566-B0D0-8EAF4DF58F93}"/>
+              </a:ext>
+            </a:extLst>
+          </p:cNvPr>
+          <p:cNvCxnSpPr>
+            <a:endCxn id="5" idx="3"/>
+          </p:cNvCxnSpPr>
+          <p:nvPr/>
+        </p:nvCxnSpPr>
+        <p:spPr>
+          <a:xfrm flipH="1">
+            <a:off x="6202644" y="3819970"/>
+            <a:ext cx="599808" cy="181324"/>
+          </a:xfrm>
+          <a:prstGeom prst="straightConnector1">
+            <a:avLst/>
+          </a:prstGeom>
+          <a:ln>
+            <a:tailEnd type="triangle"/>
+          </a:ln>
+        </p:spPr>
+        <p:style>
+          <a:lnRef idx="1">
+            <a:schemeClr val="dk1"/>
+          </a:lnRef>
+          <a:fillRef idx="0">
+            <a:schemeClr val="dk1"/>
+          </a:fillRef>
+          <a:effectRef idx="0">
+            <a:schemeClr val="dk1"/>
+          </a:effectRef>
+          <a:fontRef idx="minor">
+            <a:schemeClr val="tx1"/>
+          </a:fontRef>
+        </p:style>
+      </p:cxnSp>
+      <p:sp>
+        <p:nvSpPr>
+          <p:cNvPr id="11" name="TextBox 10">
+            <a:extLst>
+              <a:ext uri="{FF2B5EF4-FFF2-40B4-BE49-F238E27FC236}">
+                <a16:creationId xmlns:a16="http://schemas.microsoft.com/office/drawing/2014/main" id="{74155637-B82A-3BEB-7E24-0094DCA4DEB7}"/>
+              </a:ext>
+            </a:extLst>
+          </p:cNvPr>
+          <p:cNvSpPr txBox="1"/>
+          <p:nvPr/>
+        </p:nvSpPr>
+        <p:spPr>
+          <a:xfrm>
+            <a:off x="6785361" y="3187581"/>
+            <a:ext cx="4392538" cy="1077218"/>
+          </a:xfrm>
+          <a:prstGeom prst="rect">
+            <a:avLst/>
+          </a:prstGeom>
+          <a:noFill/>
+        </p:spPr>
+        <p:txBody>
+          <a:bodyPr wrap="square" rtlCol="0">
+            <a:spAutoFit/>
+          </a:bodyPr>
+          <a:lstStyle/>
+          <a:p>
+            <a:r>
+              <a:rPr lang="en-GB" sz="1600" dirty="0"/>
+              <a:t>Architecture has been chosen as it successfully estimated HR in previous work, this is referred to as “Transfer Learning”. However, could a different structure be used for noise removal?  </a:t>
+            </a:r>
+          </a:p>
+        </p:txBody>
+      </p:sp>
+      <p:sp>
+        <p:nvSpPr>
+          <p:cNvPr id="12" name="TextBox 11">
+            <a:extLst>
+              <a:ext uri="{FF2B5EF4-FFF2-40B4-BE49-F238E27FC236}">
+                <a16:creationId xmlns:a16="http://schemas.microsoft.com/office/drawing/2014/main" id="{D51419F7-48E7-F3E2-E2CB-0CF1017F09DE}"/>
+              </a:ext>
+            </a:extLst>
+          </p:cNvPr>
+          <p:cNvSpPr txBox="1"/>
+          <p:nvPr/>
+        </p:nvSpPr>
+        <p:spPr>
+          <a:xfrm>
+            <a:off x="581114" y="5050564"/>
+            <a:ext cx="10912979" cy="1754326"/>
+          </a:xfrm>
+          <a:prstGeom prst="rect">
+            <a:avLst/>
+          </a:prstGeom>
+          <a:noFill/>
+        </p:spPr>
+        <p:txBody>
+          <a:bodyPr wrap="square" rtlCol="0">
+            <a:spAutoFit/>
+          </a:bodyPr>
+          <a:lstStyle/>
+          <a:p>
+            <a:pPr marL="285750" indent="-285750">
+              <a:buFont typeface="Arial" panose="020B0604020202020204" pitchFamily="34" charset="0"/>
+              <a:buChar char="•"/>
+            </a:pPr>
+            <a:r>
+              <a:rPr lang="en-GB" dirty="0"/>
+              <a:t>Rectified Linear Units are a type of activation function, it is used here to add non-linearity into the network to deal with the complex data type.</a:t>
+            </a:r>
+          </a:p>
+          <a:p>
+            <a:pPr marL="285750" indent="-285750">
+              <a:buFont typeface="Arial" panose="020B0604020202020204" pitchFamily="34" charset="0"/>
+              <a:buChar char="•"/>
+            </a:pPr>
+            <a:r>
+              <a:rPr lang="en-GB" dirty="0"/>
+              <a:t>Conv1d is a 1-dimensional convolutional layer typically used for time series data</a:t>
+            </a:r>
+          </a:p>
+          <a:p>
+            <a:pPr marL="285750" indent="-285750">
+              <a:buFont typeface="Arial" panose="020B0604020202020204" pitchFamily="34" charset="0"/>
+              <a:buChar char="•"/>
+            </a:pPr>
+            <a:r>
+              <a:rPr lang="en-GB" dirty="0"/>
+              <a:t>AvgPool1d is a 1-dimensional average pooling layer used to reduce the spatial dimensions. (Reduces computational load)</a:t>
+            </a:r>
+          </a:p>
+          <a:p>
+            <a:pPr marL="285750" indent="-285750">
+              <a:buFont typeface="Arial" panose="020B0604020202020204" pitchFamily="34" charset="0"/>
+              <a:buChar char="•"/>
+            </a:pPr>
+            <a:endParaRPr lang="en-GB" dirty="0"/>
           </a:p>
         </p:txBody>
       </p:sp>

--- a/Electrode Motion Denoising/reports/DeepLearningElectrodeMotionRemoval.pptx
+++ b/Electrode Motion Denoising/reports/DeepLearningElectrodeMotionRemoval.pptx
@@ -4546,12 +4546,17 @@
             <p:ph idx="1"/>
           </p:nvPr>
         </p:nvSpPr>
-        <p:spPr/>
+        <p:spPr>
+          <a:xfrm>
+            <a:off x="838200" y="1444239"/>
+            <a:ext cx="10515600" cy="4732724"/>
+          </a:xfrm>
+        </p:spPr>
         <p:txBody>
           <a:bodyPr/>
           <a:lstStyle/>
           <a:p>
-            <a:endParaRPr lang="en-GB"/>
+            <a:endParaRPr lang="en-GB" dirty="0"/>
           </a:p>
         </p:txBody>
       </p:sp>
